--- a/webinar-2022-02-15.pptx
+++ b/webinar-2022-02-15.pptx
@@ -125,8 +125,7 @@
 <file path=ppt/revisionInfo.xml><?xml version="1.0" encoding="utf-8"?>
 <p1510:revInfo xmlns:a="http://schemas.openxmlformats.org/drawingml/2006/main" xmlns:r="http://schemas.openxmlformats.org/officeDocument/2006/relationships" xmlns:p1510="http://schemas.microsoft.com/office/powerpoint/2015/10/main">
   <p1510:revLst>
-    <p1510:client id="{1328888D-3802-476F-89D8-8DFBB1391DB0}" v="22" dt="2022-01-27T22:23:18.691"/>
-    <p1510:client id="{C618735A-9044-466F-8DA9-2817C2831A89}" v="15" dt="2022-01-27T06:12:41.086"/>
+    <p1510:client id="{1328888D-3802-476F-89D8-8DFBB1391DB0}" v="27" dt="2022-01-28T17:40:21.027"/>
   </p1510:revLst>
 </p1510:revInfo>
 </file>
@@ -670,12 +669,12 @@
   <pc:docChgLst>
     <pc:chgData name="Jeremie Desgagne-Bouchard" userId="befeb1e1a66a0338" providerId="LiveId" clId="{1328888D-3802-476F-89D8-8DFBB1391DB0}"/>
     <pc:docChg chg="undo custSel addSld delSld modSld">
-      <pc:chgData name="Jeremie Desgagne-Bouchard" userId="befeb1e1a66a0338" providerId="LiveId" clId="{1328888D-3802-476F-89D8-8DFBB1391DB0}" dt="2022-01-27T22:35:02.994" v="329" actId="20577"/>
+      <pc:chgData name="Jeremie Desgagne-Bouchard" userId="befeb1e1a66a0338" providerId="LiveId" clId="{1328888D-3802-476F-89D8-8DFBB1391DB0}" dt="2022-01-28T17:40:34.427" v="453" actId="478"/>
       <pc:docMkLst>
         <pc:docMk/>
       </pc:docMkLst>
-      <pc:sldChg chg="modSp mod">
-        <pc:chgData name="Jeremie Desgagne-Bouchard" userId="befeb1e1a66a0338" providerId="LiveId" clId="{1328888D-3802-476F-89D8-8DFBB1391DB0}" dt="2022-01-27T22:10:59.180" v="211" actId="20577"/>
+      <pc:sldChg chg="addSp delSp modSp mod">
+        <pc:chgData name="Jeremie Desgagne-Bouchard" userId="befeb1e1a66a0338" providerId="LiveId" clId="{1328888D-3802-476F-89D8-8DFBB1391DB0}" dt="2022-01-28T17:40:34.427" v="453" actId="478"/>
         <pc:sldMkLst>
           <pc:docMk/>
           <pc:sldMk cId="2883554989" sldId="257"/>
@@ -686,6 +685,62 @@
             <pc:docMk/>
             <pc:sldMk cId="2883554989" sldId="257"/>
             <ac:spMk id="7" creationId="{16A95109-F2CC-47BC-84A7-8343933515BD}"/>
+          </ac:spMkLst>
+        </pc:spChg>
+        <pc:spChg chg="del mod">
+          <ac:chgData name="Jeremie Desgagne-Bouchard" userId="befeb1e1a66a0338" providerId="LiveId" clId="{1328888D-3802-476F-89D8-8DFBB1391DB0}" dt="2022-01-28T17:40:33.624" v="452" actId="478"/>
+          <ac:spMkLst>
+            <pc:docMk/>
+            <pc:sldMk cId="2883554989" sldId="257"/>
+            <ac:spMk id="8" creationId="{33AD4896-B92C-4A30-8F05-B832020D0C65}"/>
+          </ac:spMkLst>
+        </pc:spChg>
+        <pc:spChg chg="del mod">
+          <ac:chgData name="Jeremie Desgagne-Bouchard" userId="befeb1e1a66a0338" providerId="LiveId" clId="{1328888D-3802-476F-89D8-8DFBB1391DB0}" dt="2022-01-28T17:40:32.592" v="451" actId="478"/>
+          <ac:spMkLst>
+            <pc:docMk/>
+            <pc:sldMk cId="2883554989" sldId="257"/>
+            <ac:spMk id="9" creationId="{EBCBF14C-E038-4DA2-9C88-CB98C338B8CE}"/>
+          </ac:spMkLst>
+        </pc:spChg>
+        <pc:spChg chg="del mod">
+          <ac:chgData name="Jeremie Desgagne-Bouchard" userId="befeb1e1a66a0338" providerId="LiveId" clId="{1328888D-3802-476F-89D8-8DFBB1391DB0}" dt="2022-01-28T17:40:34.427" v="453" actId="478"/>
+          <ac:spMkLst>
+            <pc:docMk/>
+            <pc:sldMk cId="2883554989" sldId="257"/>
+            <ac:spMk id="11" creationId="{07E37212-7EE0-423B-AB1B-2D7E5B700AD4}"/>
+          </ac:spMkLst>
+        </pc:spChg>
+        <pc:spChg chg="add mod">
+          <ac:chgData name="Jeremie Desgagne-Bouchard" userId="befeb1e1a66a0338" providerId="LiveId" clId="{1328888D-3802-476F-89D8-8DFBB1391DB0}" dt="2022-01-28T17:40:22.992" v="446" actId="6549"/>
+          <ac:spMkLst>
+            <pc:docMk/>
+            <pc:sldMk cId="2883554989" sldId="257"/>
+            <ac:spMk id="12" creationId="{EE40F21C-0164-4DE2-B8F4-096711A30E28}"/>
+          </ac:spMkLst>
+        </pc:spChg>
+        <pc:spChg chg="mod">
+          <ac:chgData name="Jeremie Desgagne-Bouchard" userId="befeb1e1a66a0338" providerId="LiveId" clId="{1328888D-3802-476F-89D8-8DFBB1391DB0}" dt="2022-01-28T17:38:53.939" v="340" actId="14100"/>
+          <ac:spMkLst>
+            <pc:docMk/>
+            <pc:sldMk cId="2883554989" sldId="257"/>
+            <ac:spMk id="13" creationId="{292648BA-8E36-4DE7-87EE-FEC8939AF970}"/>
+          </ac:spMkLst>
+        </pc:spChg>
+        <pc:spChg chg="del mod">
+          <ac:chgData name="Jeremie Desgagne-Bouchard" userId="befeb1e1a66a0338" providerId="LiveId" clId="{1328888D-3802-476F-89D8-8DFBB1391DB0}" dt="2022-01-28T17:40:28.837" v="448" actId="478"/>
+          <ac:spMkLst>
+            <pc:docMk/>
+            <pc:sldMk cId="2883554989" sldId="257"/>
+            <ac:spMk id="14" creationId="{B29360FF-D1EC-4F3D-AA77-F39473EB54D0}"/>
+          </ac:spMkLst>
+        </pc:spChg>
+        <pc:spChg chg="add mod">
+          <ac:chgData name="Jeremie Desgagne-Bouchard" userId="befeb1e1a66a0338" providerId="LiveId" clId="{1328888D-3802-476F-89D8-8DFBB1391DB0}" dt="2022-01-28T17:40:25.625" v="447" actId="6549"/>
+          <ac:spMkLst>
+            <pc:docMk/>
+            <pc:sldMk cId="2883554989" sldId="257"/>
+            <ac:spMk id="15" creationId="{9407ED70-AEB9-43D5-B29D-AF69A2C7DADB}"/>
           </ac:spMkLst>
         </pc:spChg>
       </pc:sldChg>
@@ -702,6 +757,21 @@
           <pc:docMk/>
           <pc:sldMk cId="3475208222" sldId="259"/>
         </pc:sldMkLst>
+      </pc:sldChg>
+      <pc:sldChg chg="addSp delSp modSp mod">
+        <pc:chgData name="Jeremie Desgagne-Bouchard" userId="befeb1e1a66a0338" providerId="LiveId" clId="{1328888D-3802-476F-89D8-8DFBB1391DB0}" dt="2022-01-28T17:38:17.037" v="332" actId="21"/>
+        <pc:sldMkLst>
+          <pc:docMk/>
+          <pc:sldMk cId="2504662627" sldId="260"/>
+        </pc:sldMkLst>
+        <pc:spChg chg="add del mod">
+          <ac:chgData name="Jeremie Desgagne-Bouchard" userId="befeb1e1a66a0338" providerId="LiveId" clId="{1328888D-3802-476F-89D8-8DFBB1391DB0}" dt="2022-01-28T17:38:17.037" v="332" actId="21"/>
+          <ac:spMkLst>
+            <pc:docMk/>
+            <pc:sldMk cId="2504662627" sldId="260"/>
+            <ac:spMk id="6" creationId="{598EC070-CC62-49E0-AEBE-01667159B8D4}"/>
+          </ac:spMkLst>
+        </pc:spChg>
       </pc:sldChg>
       <pc:sldChg chg="modSp mod">
         <pc:chgData name="Jeremie Desgagne-Bouchard" userId="befeb1e1a66a0338" providerId="LiveId" clId="{1328888D-3802-476F-89D8-8DFBB1391DB0}" dt="2022-01-27T17:19:55.248" v="186" actId="1076"/>
@@ -1146,7 +1216,7 @@
           <a:p>
             <a:fld id="{29042494-3AEB-47BA-ADC8-35F4B94322E8}" type="datetimeFigureOut">
               <a:rPr lang="en-CA" smtClean="0"/>
-              <a:t>2022-01-27</a:t>
+              <a:t>2022-01-28</a:t>
             </a:fld>
             <a:endParaRPr lang="en-CA"/>
           </a:p>
@@ -1346,7 +1416,7 @@
           <a:p>
             <a:fld id="{29042494-3AEB-47BA-ADC8-35F4B94322E8}" type="datetimeFigureOut">
               <a:rPr lang="en-CA" smtClean="0"/>
-              <a:t>2022-01-27</a:t>
+              <a:t>2022-01-28</a:t>
             </a:fld>
             <a:endParaRPr lang="en-CA"/>
           </a:p>
@@ -1556,7 +1626,7 @@
           <a:p>
             <a:fld id="{29042494-3AEB-47BA-ADC8-35F4B94322E8}" type="datetimeFigureOut">
               <a:rPr lang="en-CA" smtClean="0"/>
-              <a:t>2022-01-27</a:t>
+              <a:t>2022-01-28</a:t>
             </a:fld>
             <a:endParaRPr lang="en-CA"/>
           </a:p>
@@ -1756,7 +1826,7 @@
           <a:p>
             <a:fld id="{29042494-3AEB-47BA-ADC8-35F4B94322E8}" type="datetimeFigureOut">
               <a:rPr lang="en-CA" smtClean="0"/>
-              <a:t>2022-01-27</a:t>
+              <a:t>2022-01-28</a:t>
             </a:fld>
             <a:endParaRPr lang="en-CA"/>
           </a:p>
@@ -2032,7 +2102,7 @@
           <a:p>
             <a:fld id="{29042494-3AEB-47BA-ADC8-35F4B94322E8}" type="datetimeFigureOut">
               <a:rPr lang="en-CA" smtClean="0"/>
-              <a:t>2022-01-27</a:t>
+              <a:t>2022-01-28</a:t>
             </a:fld>
             <a:endParaRPr lang="en-CA"/>
           </a:p>
@@ -2300,7 +2370,7 @@
           <a:p>
             <a:fld id="{29042494-3AEB-47BA-ADC8-35F4B94322E8}" type="datetimeFigureOut">
               <a:rPr lang="en-CA" smtClean="0"/>
-              <a:t>2022-01-27</a:t>
+              <a:t>2022-01-28</a:t>
             </a:fld>
             <a:endParaRPr lang="en-CA"/>
           </a:p>
@@ -2715,7 +2785,7 @@
           <a:p>
             <a:fld id="{29042494-3AEB-47BA-ADC8-35F4B94322E8}" type="datetimeFigureOut">
               <a:rPr lang="en-CA" smtClean="0"/>
-              <a:t>2022-01-27</a:t>
+              <a:t>2022-01-28</a:t>
             </a:fld>
             <a:endParaRPr lang="en-CA"/>
           </a:p>
@@ -2857,7 +2927,7 @@
           <a:p>
             <a:fld id="{29042494-3AEB-47BA-ADC8-35F4B94322E8}" type="datetimeFigureOut">
               <a:rPr lang="en-CA" smtClean="0"/>
-              <a:t>2022-01-27</a:t>
+              <a:t>2022-01-28</a:t>
             </a:fld>
             <a:endParaRPr lang="en-CA"/>
           </a:p>
@@ -2970,7 +3040,7 @@
           <a:p>
             <a:fld id="{29042494-3AEB-47BA-ADC8-35F4B94322E8}" type="datetimeFigureOut">
               <a:rPr lang="en-CA" smtClean="0"/>
-              <a:t>2022-01-27</a:t>
+              <a:t>2022-01-28</a:t>
             </a:fld>
             <a:endParaRPr lang="en-CA"/>
           </a:p>
@@ -3283,7 +3353,7 @@
           <a:p>
             <a:fld id="{29042494-3AEB-47BA-ADC8-35F4B94322E8}" type="datetimeFigureOut">
               <a:rPr lang="en-CA" smtClean="0"/>
-              <a:t>2022-01-27</a:t>
+              <a:t>2022-01-28</a:t>
             </a:fld>
             <a:endParaRPr lang="en-CA"/>
           </a:p>
@@ -3572,7 +3642,7 @@
           <a:p>
             <a:fld id="{29042494-3AEB-47BA-ADC8-35F4B94322E8}" type="datetimeFigureOut">
               <a:rPr lang="en-CA" smtClean="0"/>
-              <a:t>2022-01-27</a:t>
+              <a:t>2022-01-28</a:t>
             </a:fld>
             <a:endParaRPr lang="en-CA"/>
           </a:p>
@@ -3815,7 +3885,7 @@
           <a:p>
             <a:fld id="{29042494-3AEB-47BA-ADC8-35F4B94322E8}" type="datetimeFigureOut">
               <a:rPr lang="en-CA" smtClean="0"/>
-              <a:t>2022-01-27</a:t>
+              <a:t>2022-01-28</a:t>
             </a:fld>
             <a:endParaRPr lang="en-CA"/>
           </a:p>
@@ -6300,182 +6370,6 @@
       </p:sp>
       <p:sp>
         <p:nvSpPr>
-          <p:cNvPr id="8" name="Rectangle: Rounded Corners 7">
-            <a:extLst>
-              <a:ext uri="{FF2B5EF4-FFF2-40B4-BE49-F238E27FC236}">
-                <a16:creationId xmlns:a16="http://schemas.microsoft.com/office/drawing/2014/main" id="{33AD4896-B92C-4A30-8F05-B832020D0C65}"/>
-              </a:ext>
-            </a:extLst>
-          </p:cNvPr>
-          <p:cNvSpPr/>
-          <p:nvPr/>
-        </p:nvSpPr>
-        <p:spPr>
-          <a:xfrm>
-            <a:off x="4543922" y="3997970"/>
-            <a:ext cx="1855764" cy="1325563"/>
-          </a:xfrm>
-          <a:prstGeom prst="roundRect">
-            <a:avLst/>
-          </a:prstGeom>
-          <a:solidFill>
-            <a:srgbClr val="9558B2"/>
-          </a:solidFill>
-          <a:ln>
-            <a:noFill/>
-          </a:ln>
-        </p:spPr>
-        <p:style>
-          <a:lnRef idx="2">
-            <a:schemeClr val="accent1">
-              <a:shade val="50000"/>
-            </a:schemeClr>
-          </a:lnRef>
-          <a:fillRef idx="1">
-            <a:schemeClr val="accent1"/>
-          </a:fillRef>
-          <a:effectRef idx="0">
-            <a:schemeClr val="accent1"/>
-          </a:effectRef>
-          <a:fontRef idx="minor">
-            <a:schemeClr val="lt1"/>
-          </a:fontRef>
-        </p:style>
-        <p:txBody>
-          <a:bodyPr rtlCol="0" anchor="ctr"/>
-          <a:lstStyle/>
-          <a:p>
-            <a:pPr algn="ctr"/>
-            <a:r>
-              <a:rPr lang="fr-CA" dirty="0"/>
-              <a:t>Model </a:t>
-            </a:r>
-            <a:r>
-              <a:rPr lang="fr-CA" dirty="0" err="1"/>
-              <a:t>Inference</a:t>
-            </a:r>
-            <a:endParaRPr lang="en-CA" dirty="0"/>
-          </a:p>
-        </p:txBody>
-      </p:sp>
-      <p:sp>
-        <p:nvSpPr>
-          <p:cNvPr id="9" name="Rectangle: Rounded Corners 8">
-            <a:extLst>
-              <a:ext uri="{FF2B5EF4-FFF2-40B4-BE49-F238E27FC236}">
-                <a16:creationId xmlns:a16="http://schemas.microsoft.com/office/drawing/2014/main" id="{EBCBF14C-E038-4DA2-9C88-CB98C338B8CE}"/>
-              </a:ext>
-            </a:extLst>
-          </p:cNvPr>
-          <p:cNvSpPr/>
-          <p:nvPr/>
-        </p:nvSpPr>
-        <p:spPr>
-          <a:xfrm>
-            <a:off x="2533196" y="3997971"/>
-            <a:ext cx="1855764" cy="1325563"/>
-          </a:xfrm>
-          <a:prstGeom prst="roundRect">
-            <a:avLst/>
-          </a:prstGeom>
-          <a:solidFill>
-            <a:srgbClr val="389826"/>
-          </a:solidFill>
-          <a:ln>
-            <a:noFill/>
-          </a:ln>
-        </p:spPr>
-        <p:style>
-          <a:lnRef idx="2">
-            <a:schemeClr val="accent1">
-              <a:shade val="50000"/>
-            </a:schemeClr>
-          </a:lnRef>
-          <a:fillRef idx="1">
-            <a:schemeClr val="accent1"/>
-          </a:fillRef>
-          <a:effectRef idx="0">
-            <a:schemeClr val="accent1"/>
-          </a:effectRef>
-          <a:fontRef idx="minor">
-            <a:schemeClr val="lt1"/>
-          </a:fontRef>
-        </p:style>
-        <p:txBody>
-          <a:bodyPr rtlCol="0" anchor="ctr"/>
-          <a:lstStyle/>
-          <a:p>
-            <a:pPr algn="ctr"/>
-            <a:r>
-              <a:rPr lang="fr-CA" sz="1800" dirty="0" err="1"/>
-              <a:t>Preprocessing</a:t>
-            </a:r>
-            <a:endParaRPr lang="en-CA" dirty="0"/>
-          </a:p>
-        </p:txBody>
-      </p:sp>
-      <p:sp>
-        <p:nvSpPr>
-          <p:cNvPr id="11" name="Rectangle: Rounded Corners 10">
-            <a:extLst>
-              <a:ext uri="{FF2B5EF4-FFF2-40B4-BE49-F238E27FC236}">
-                <a16:creationId xmlns:a16="http://schemas.microsoft.com/office/drawing/2014/main" id="{07E37212-7EE0-423B-AB1B-2D7E5B700AD4}"/>
-              </a:ext>
-            </a:extLst>
-          </p:cNvPr>
-          <p:cNvSpPr/>
-          <p:nvPr/>
-        </p:nvSpPr>
-        <p:spPr>
-          <a:xfrm>
-            <a:off x="838200" y="3997971"/>
-            <a:ext cx="1540032" cy="1325563"/>
-          </a:xfrm>
-          <a:prstGeom prst="roundRect">
-            <a:avLst/>
-          </a:prstGeom>
-          <a:solidFill>
-            <a:srgbClr val="4063D8"/>
-          </a:solidFill>
-          <a:ln>
-            <a:noFill/>
-          </a:ln>
-        </p:spPr>
-        <p:style>
-          <a:lnRef idx="2">
-            <a:schemeClr val="accent1">
-              <a:shade val="50000"/>
-            </a:schemeClr>
-          </a:lnRef>
-          <a:fillRef idx="1">
-            <a:schemeClr val="accent1"/>
-          </a:fillRef>
-          <a:effectRef idx="0">
-            <a:schemeClr val="accent1"/>
-          </a:effectRef>
-          <a:fontRef idx="minor">
-            <a:schemeClr val="lt1"/>
-          </a:fontRef>
-        </p:style>
-        <p:txBody>
-          <a:bodyPr rtlCol="0" anchor="ctr"/>
-          <a:lstStyle/>
-          <a:p>
-            <a:pPr algn="ctr"/>
-            <a:r>
-              <a:rPr lang="fr-CA" dirty="0" err="1"/>
-              <a:t>Load</a:t>
-            </a:r>
-            <a:r>
-              <a:rPr lang="fr-CA" dirty="0"/>
-              <a:t> Data</a:t>
-            </a:r>
-            <a:endParaRPr lang="en-CA" dirty="0"/>
-          </a:p>
-        </p:txBody>
-      </p:sp>
-      <p:sp>
-        <p:nvSpPr>
           <p:cNvPr id="13" name="TextBox 12">
             <a:extLst>
               <a:ext uri="{FF2B5EF4-FFF2-40B4-BE49-F238E27FC236}">
@@ -6489,7 +6383,7 @@
         <p:spPr>
           <a:xfrm>
             <a:off x="838200" y="1067230"/>
-            <a:ext cx="2897038" cy="523220"/>
+            <a:ext cx="3705722" cy="523220"/>
           </a:xfrm>
           <a:prstGeom prst="rect">
             <a:avLst/>
@@ -6508,6 +6402,18 @@
               </a:rPr>
               <a:t>Development</a:t>
             </a:r>
+            <a:r>
+              <a:rPr lang="fr-CA" sz="2800" dirty="0">
+                <a:latin typeface="+mj-lt"/>
+              </a:rPr>
+              <a:t> </a:t>
+            </a:r>
+            <a:r>
+              <a:rPr lang="fr-CA" sz="2800" dirty="0" err="1">
+                <a:latin typeface="+mj-lt"/>
+              </a:rPr>
+              <a:t>Steps</a:t>
+            </a:r>
             <a:endParaRPr lang="fr-CA" sz="2000" dirty="0">
               <a:latin typeface="+mj-lt"/>
             </a:endParaRPr>
@@ -6516,10 +6422,10 @@
       </p:sp>
       <p:sp>
         <p:nvSpPr>
-          <p:cNvPr id="14" name="TextBox 13">
-            <a:extLst>
-              <a:ext uri="{FF2B5EF4-FFF2-40B4-BE49-F238E27FC236}">
-                <a16:creationId xmlns:a16="http://schemas.microsoft.com/office/drawing/2014/main" id="{B29360FF-D1EC-4F3D-AA77-F39473EB54D0}"/>
+          <p:cNvPr id="12" name="TextBox 11">
+            <a:extLst>
+              <a:ext uri="{FF2B5EF4-FFF2-40B4-BE49-F238E27FC236}">
+                <a16:creationId xmlns:a16="http://schemas.microsoft.com/office/drawing/2014/main" id="{EE40F21C-0164-4DE2-B8F4-096711A30E28}"/>
               </a:ext>
             </a:extLst>
           </p:cNvPr>
@@ -6528,8 +6434,8 @@
         </p:nvSpPr>
         <p:spPr>
           <a:xfrm>
-            <a:off x="838200" y="3536302"/>
-            <a:ext cx="2897038" cy="523220"/>
+            <a:off x="838200" y="3545354"/>
+            <a:ext cx="6097554" cy="646331"/>
           </a:xfrm>
           <a:prstGeom prst="rect">
             <a:avLst/>
@@ -6537,20 +6443,68 @@
           <a:noFill/>
         </p:spPr>
         <p:txBody>
-          <a:bodyPr wrap="square" rtlCol="0">
+          <a:bodyPr wrap="square">
             <a:spAutoFit/>
           </a:bodyPr>
           <a:lstStyle/>
           <a:p>
             <a:r>
-              <a:rPr lang="fr-CA" sz="2800" dirty="0">
-                <a:latin typeface="+mj-lt"/>
-              </a:rPr>
-              <a:t>Production</a:t>
-            </a:r>
-            <a:endParaRPr lang="en-CA" sz="2800" dirty="0">
-              <a:latin typeface="+mj-lt"/>
-            </a:endParaRPr>
+              <a:rPr lang="en-CA" dirty="0"/>
+              <a:t>Project code:</a:t>
+            </a:r>
+          </a:p>
+          <a:p>
+            <a:r>
+              <a:rPr lang="en-CA" dirty="0">
+                <a:hlinkClick r:id="rId2"/>
+              </a:rPr>
+              <a:t>https://github.com/JuliaComputing/ScoringEngineDemo.jl</a:t>
+            </a:r>
+            <a:endParaRPr lang="en-CA" dirty="0"/>
+          </a:p>
+        </p:txBody>
+      </p:sp>
+      <p:sp>
+        <p:nvSpPr>
+          <p:cNvPr id="15" name="TextBox 14">
+            <a:extLst>
+              <a:ext uri="{FF2B5EF4-FFF2-40B4-BE49-F238E27FC236}">
+                <a16:creationId xmlns:a16="http://schemas.microsoft.com/office/drawing/2014/main" id="{9407ED70-AEB9-43D5-B29D-AF69A2C7DADB}"/>
+              </a:ext>
+            </a:extLst>
+          </p:cNvPr>
+          <p:cNvSpPr txBox="1"/>
+          <p:nvPr/>
+        </p:nvSpPr>
+        <p:spPr>
+          <a:xfrm>
+            <a:off x="838200" y="4734866"/>
+            <a:ext cx="6316824" cy="646331"/>
+          </a:xfrm>
+          <a:prstGeom prst="rect">
+            <a:avLst/>
+          </a:prstGeom>
+          <a:noFill/>
+        </p:spPr>
+        <p:txBody>
+          <a:bodyPr wrap="square">
+            <a:spAutoFit/>
+          </a:bodyPr>
+          <a:lstStyle/>
+          <a:p>
+            <a:r>
+              <a:rPr lang="en-CA" dirty="0"/>
+              <a:t>Data from the AI Crowd Insurance Pricing Game challenge</a:t>
+            </a:r>
+          </a:p>
+          <a:p>
+            <a:r>
+              <a:rPr lang="en-CA" dirty="0">
+                <a:hlinkClick r:id="rId3"/>
+              </a:rPr>
+              <a:t>https://www.aicrowd.com/challenges/insurance-pricing-game</a:t>
+            </a:r>
+            <a:endParaRPr lang="en-CA" dirty="0"/>
           </a:p>
         </p:txBody>
       </p:sp>

--- a/webinar-2022-02-15.pptx
+++ b/webinar-2022-02-15.pptx
@@ -5,7 +5,7 @@
     <p:sldMasterId id="2147483648" r:id="rId1"/>
   </p:sldMasterIdLst>
   <p:sldIdLst>
-    <p:sldId id="256" r:id="rId2"/>
+    <p:sldId id="277" r:id="rId2"/>
     <p:sldId id="257" r:id="rId3"/>
     <p:sldId id="273" r:id="rId4"/>
     <p:sldId id="260" r:id="rId5"/>
@@ -19,7 +19,6 @@
     <p:sldId id="270" r:id="rId13"/>
     <p:sldId id="271" r:id="rId14"/>
     <p:sldId id="275" r:id="rId15"/>
-    <p:sldId id="276" r:id="rId16"/>
   </p:sldIdLst>
   <p:sldSz cx="12192000" cy="6858000"/>
   <p:notesSz cx="6858000" cy="9144000"/>
@@ -129,7 +128,7 @@
 <file path=ppt/revisionInfo.xml><?xml version="1.0" encoding="utf-8"?>
 <p1510:revInfo xmlns:a="http://schemas.openxmlformats.org/drawingml/2006/main" xmlns:r="http://schemas.openxmlformats.org/officeDocument/2006/relationships" xmlns:p1510="http://schemas.microsoft.com/office/powerpoint/2015/10/main">
   <p1510:revLst>
-    <p1510:client id="{1328888D-3802-476F-89D8-8DFBB1391DB0}" v="74" dt="2022-02-15T19:20:41.184"/>
+    <p1510:client id="{1328888D-3802-476F-89D8-8DFBB1391DB0}" v="122" dt="2022-02-15T20:57:12.052"/>
   </p1510:revLst>
 </p1510:revInfo>
 </file>
@@ -673,12 +672,43 @@
   <pc:docChgLst>
     <pc:chgData name="Jeremie Desgagne-Bouchard" userId="befeb1e1a66a0338" providerId="LiveId" clId="{1328888D-3802-476F-89D8-8DFBB1391DB0}"/>
     <pc:docChg chg="undo custSel addSld delSld modSld sldOrd">
-      <pc:chgData name="Jeremie Desgagne-Bouchard" userId="befeb1e1a66a0338" providerId="LiveId" clId="{1328888D-3802-476F-89D8-8DFBB1391DB0}" dt="2022-02-15T20:17:29.883" v="1464" actId="20577"/>
+      <pc:chgData name="Jeremie Desgagne-Bouchard" userId="befeb1e1a66a0338" providerId="LiveId" clId="{1328888D-3802-476F-89D8-8DFBB1391DB0}" dt="2022-02-15T20:57:54.412" v="1541" actId="47"/>
       <pc:docMkLst>
         <pc:docMk/>
       </pc:docMkLst>
+      <pc:sldChg chg="addSp delSp del">
+        <pc:chgData name="Jeremie Desgagne-Bouchard" userId="befeb1e1a66a0338" providerId="LiveId" clId="{1328888D-3802-476F-89D8-8DFBB1391DB0}" dt="2022-02-15T20:53:21.199" v="1512" actId="47"/>
+        <pc:sldMkLst>
+          <pc:docMk/>
+          <pc:sldMk cId="3272251200" sldId="256"/>
+        </pc:sldMkLst>
+        <pc:spChg chg="add del">
+          <ac:chgData name="Jeremie Desgagne-Bouchard" userId="befeb1e1a66a0338" providerId="LiveId" clId="{1328888D-3802-476F-89D8-8DFBB1391DB0}" dt="2022-02-15T20:51:29.731" v="1497"/>
+          <ac:spMkLst>
+            <pc:docMk/>
+            <pc:sldMk cId="3272251200" sldId="256"/>
+            <ac:spMk id="2" creationId="{5D7C9143-863C-4358-A37B-BB5950A89488}"/>
+          </ac:spMkLst>
+        </pc:spChg>
+        <pc:spChg chg="add del">
+          <ac:chgData name="Jeremie Desgagne-Bouchard" userId="befeb1e1a66a0338" providerId="LiveId" clId="{1328888D-3802-476F-89D8-8DFBB1391DB0}" dt="2022-02-15T20:51:37.168" v="1499"/>
+          <ac:spMkLst>
+            <pc:docMk/>
+            <pc:sldMk cId="3272251200" sldId="256"/>
+            <ac:spMk id="3" creationId="{A9F53BFB-503E-4882-812C-433CC001DB78}"/>
+          </ac:spMkLst>
+        </pc:spChg>
+        <pc:picChg chg="add del">
+          <ac:chgData name="Jeremie Desgagne-Bouchard" userId="befeb1e1a66a0338" providerId="LiveId" clId="{1328888D-3802-476F-89D8-8DFBB1391DB0}" dt="2022-02-15T20:46:59.045" v="1466"/>
+          <ac:picMkLst>
+            <pc:docMk/>
+            <pc:sldMk cId="3272251200" sldId="256"/>
+            <ac:picMk id="1026" creationId="{E65B4FF6-DCBA-4E43-80A9-448CD2E4C38D}"/>
+          </ac:picMkLst>
+        </pc:picChg>
+      </pc:sldChg>
       <pc:sldChg chg="addSp delSp modSp mod">
-        <pc:chgData name="Jeremie Desgagne-Bouchard" userId="befeb1e1a66a0338" providerId="LiveId" clId="{1328888D-3802-476F-89D8-8DFBB1391DB0}" dt="2022-01-28T17:40:34.427" v="453" actId="478"/>
+        <pc:chgData name="Jeremie Desgagne-Bouchard" userId="befeb1e1a66a0338" providerId="LiveId" clId="{1328888D-3802-476F-89D8-8DFBB1391DB0}" dt="2022-02-15T20:54:07.490" v="1514" actId="1076"/>
         <pc:sldMkLst>
           <pc:docMk/>
           <pc:sldMk cId="2883554989" sldId="257"/>
@@ -747,6 +777,14 @@
             <ac:spMk id="15" creationId="{9407ED70-AEB9-43D5-B29D-AF69A2C7DADB}"/>
           </ac:spMkLst>
         </pc:spChg>
+        <pc:picChg chg="add mod">
+          <ac:chgData name="Jeremie Desgagne-Bouchard" userId="befeb1e1a66a0338" providerId="LiveId" clId="{1328888D-3802-476F-89D8-8DFBB1391DB0}" dt="2022-02-15T20:54:07.490" v="1514" actId="1076"/>
+          <ac:picMkLst>
+            <pc:docMk/>
+            <pc:sldMk cId="2883554989" sldId="257"/>
+            <ac:picMk id="4098" creationId="{6EF55918-A48E-4B3E-B94F-026A3E33EEB1}"/>
+          </ac:picMkLst>
+        </pc:picChg>
       </pc:sldChg>
       <pc:sldChg chg="del">
         <pc:chgData name="Jeremie Desgagne-Bouchard" userId="befeb1e1a66a0338" providerId="LiveId" clId="{1328888D-3802-476F-89D8-8DFBB1391DB0}" dt="2022-01-27T22:10:08.693" v="188" actId="47"/>
@@ -763,7 +801,7 @@
         </pc:sldMkLst>
       </pc:sldChg>
       <pc:sldChg chg="addSp delSp modSp mod">
-        <pc:chgData name="Jeremie Desgagne-Bouchard" userId="befeb1e1a66a0338" providerId="LiveId" clId="{1328888D-3802-476F-89D8-8DFBB1391DB0}" dt="2022-02-11T16:16:29.492" v="497" actId="478"/>
+        <pc:chgData name="Jeremie Desgagne-Bouchard" userId="befeb1e1a66a0338" providerId="LiveId" clId="{1328888D-3802-476F-89D8-8DFBB1391DB0}" dt="2022-02-15T20:57:12.052" v="1540"/>
         <pc:sldMkLst>
           <pc:docMk/>
           <pc:sldMk cId="2504662627" sldId="260"/>
@@ -784,9 +822,17 @@
             <ac:spMk id="6" creationId="{C42CC22E-7AE3-40D0-A5D2-3630F30F6C97}"/>
           </ac:spMkLst>
         </pc:spChg>
+        <pc:picChg chg="add mod">
+          <ac:chgData name="Jeremie Desgagne-Bouchard" userId="befeb1e1a66a0338" providerId="LiveId" clId="{1328888D-3802-476F-89D8-8DFBB1391DB0}" dt="2022-02-15T20:57:12.052" v="1540"/>
+          <ac:picMkLst>
+            <pc:docMk/>
+            <pc:sldMk cId="2504662627" sldId="260"/>
+            <ac:picMk id="5" creationId="{CD3F4D3C-B1F2-405E-A2AE-10A64475921A}"/>
+          </ac:picMkLst>
+        </pc:picChg>
       </pc:sldChg>
       <pc:sldChg chg="addSp modSp mod">
-        <pc:chgData name="Jeremie Desgagne-Bouchard" userId="befeb1e1a66a0338" providerId="LiveId" clId="{1328888D-3802-476F-89D8-8DFBB1391DB0}" dt="2022-02-11T01:46:07.136" v="462" actId="20577"/>
+        <pc:chgData name="Jeremie Desgagne-Bouchard" userId="befeb1e1a66a0338" providerId="LiveId" clId="{1328888D-3802-476F-89D8-8DFBB1391DB0}" dt="2022-02-15T20:57:08.852" v="1539"/>
         <pc:sldMkLst>
           <pc:docMk/>
           <pc:sldMk cId="1995616433" sldId="262"/>
@@ -807,9 +853,17 @@
             <ac:spMk id="12" creationId="{9236F6E0-458A-4C95-8192-B9B542306D9F}"/>
           </ac:spMkLst>
         </pc:spChg>
+        <pc:picChg chg="add mod">
+          <ac:chgData name="Jeremie Desgagne-Bouchard" userId="befeb1e1a66a0338" providerId="LiveId" clId="{1328888D-3802-476F-89D8-8DFBB1391DB0}" dt="2022-02-15T20:57:08.852" v="1539"/>
+          <ac:picMkLst>
+            <pc:docMk/>
+            <pc:sldMk cId="1995616433" sldId="262"/>
+            <ac:picMk id="7" creationId="{5ABD7129-1242-480D-8DA9-651EA1CBBB1E}"/>
+          </ac:picMkLst>
+        </pc:picChg>
       </pc:sldChg>
-      <pc:sldChg chg="modSp mod">
-        <pc:chgData name="Jeremie Desgagne-Bouchard" userId="befeb1e1a66a0338" providerId="LiveId" clId="{1328888D-3802-476F-89D8-8DFBB1391DB0}" dt="2022-02-15T00:32:21.440" v="720" actId="20577"/>
+      <pc:sldChg chg="addSp modSp mod">
+        <pc:chgData name="Jeremie Desgagne-Bouchard" userId="befeb1e1a66a0338" providerId="LiveId" clId="{1328888D-3802-476F-89D8-8DFBB1391DB0}" dt="2022-02-15T20:56:54.978" v="1535" actId="20577"/>
         <pc:sldMkLst>
           <pc:docMk/>
           <pc:sldMk cId="154442912" sldId="264"/>
@@ -823,7 +877,7 @@
           </ac:spMkLst>
         </pc:spChg>
         <pc:spChg chg="mod">
-          <ac:chgData name="Jeremie Desgagne-Bouchard" userId="befeb1e1a66a0338" providerId="LiveId" clId="{1328888D-3802-476F-89D8-8DFBB1391DB0}" dt="2022-02-15T00:32:21.440" v="720" actId="20577"/>
+          <ac:chgData name="Jeremie Desgagne-Bouchard" userId="befeb1e1a66a0338" providerId="LiveId" clId="{1328888D-3802-476F-89D8-8DFBB1391DB0}" dt="2022-02-15T20:56:54.978" v="1535" actId="20577"/>
           <ac:spMkLst>
             <pc:docMk/>
             <pc:sldMk cId="154442912" sldId="264"/>
@@ -838,24 +892,40 @@
             <ac:picMk id="3" creationId="{235ED475-1194-47AD-B0D1-D6BC02872322}"/>
           </ac:picMkLst>
         </pc:picChg>
+        <pc:picChg chg="add mod">
+          <ac:chgData name="Jeremie Desgagne-Bouchard" userId="befeb1e1a66a0338" providerId="LiveId" clId="{1328888D-3802-476F-89D8-8DFBB1391DB0}" dt="2022-02-15T20:56:45.841" v="1533"/>
+          <ac:picMkLst>
+            <pc:docMk/>
+            <pc:sldMk cId="154442912" sldId="264"/>
+            <ac:picMk id="6" creationId="{79E2FED7-D7E5-4D54-BB3E-3B5423A3ADC8}"/>
+          </ac:picMkLst>
+        </pc:picChg>
       </pc:sldChg>
-      <pc:sldChg chg="modSp mod">
-        <pc:chgData name="Jeremie Desgagne-Bouchard" userId="befeb1e1a66a0338" providerId="LiveId" clId="{1328888D-3802-476F-89D8-8DFBB1391DB0}" dt="2022-02-11T01:45:25.639" v="454" actId="20577"/>
+      <pc:sldChg chg="addSp modSp mod">
+        <pc:chgData name="Jeremie Desgagne-Bouchard" userId="befeb1e1a66a0338" providerId="LiveId" clId="{1328888D-3802-476F-89D8-8DFBB1391DB0}" dt="2022-02-15T20:57:05.913" v="1538"/>
         <pc:sldMkLst>
           <pc:docMk/>
           <pc:sldMk cId="2782781058" sldId="265"/>
         </pc:sldMkLst>
         <pc:spChg chg="mod">
-          <ac:chgData name="Jeremie Desgagne-Bouchard" userId="befeb1e1a66a0338" providerId="LiveId" clId="{1328888D-3802-476F-89D8-8DFBB1391DB0}" dt="2022-02-11T01:45:25.639" v="454" actId="20577"/>
+          <ac:chgData name="Jeremie Desgagne-Bouchard" userId="befeb1e1a66a0338" providerId="LiveId" clId="{1328888D-3802-476F-89D8-8DFBB1391DB0}" dt="2022-02-15T20:57:03.547" v="1537" actId="20577"/>
           <ac:spMkLst>
             <pc:docMk/>
             <pc:sldMk cId="2782781058" sldId="265"/>
             <ac:spMk id="12" creationId="{9236F6E0-458A-4C95-8192-B9B542306D9F}"/>
           </ac:spMkLst>
         </pc:spChg>
+        <pc:picChg chg="add mod">
+          <ac:chgData name="Jeremie Desgagne-Bouchard" userId="befeb1e1a66a0338" providerId="LiveId" clId="{1328888D-3802-476F-89D8-8DFBB1391DB0}" dt="2022-02-15T20:57:05.913" v="1538"/>
+          <ac:picMkLst>
+            <pc:docMk/>
+            <pc:sldMk cId="2782781058" sldId="265"/>
+            <ac:picMk id="6" creationId="{4B3BD862-77ED-47DF-9767-7A8EEE264111}"/>
+          </ac:picMkLst>
+        </pc:picChg>
       </pc:sldChg>
       <pc:sldChg chg="addSp delSp modSp mod">
-        <pc:chgData name="Jeremie Desgagne-Bouchard" userId="befeb1e1a66a0338" providerId="LiveId" clId="{1328888D-3802-476F-89D8-8DFBB1391DB0}" dt="2022-02-15T19:21:51.196" v="1284" actId="20577"/>
+        <pc:chgData name="Jeremie Desgagne-Bouchard" userId="befeb1e1a66a0338" providerId="LiveId" clId="{1328888D-3802-476F-89D8-8DFBB1391DB0}" dt="2022-02-15T20:56:35.125" v="1531"/>
         <pc:sldMkLst>
           <pc:docMk/>
           <pc:sldMk cId="1075118664" sldId="266"/>
@@ -885,7 +955,7 @@
           </ac:spMkLst>
         </pc:spChg>
         <pc:spChg chg="add mod">
-          <ac:chgData name="Jeremie Desgagne-Bouchard" userId="befeb1e1a66a0338" providerId="LiveId" clId="{1328888D-3802-476F-89D8-8DFBB1391DB0}" dt="2022-02-15T19:16:52.239" v="1230" actId="207"/>
+          <ac:chgData name="Jeremie Desgagne-Bouchard" userId="befeb1e1a66a0338" providerId="LiveId" clId="{1328888D-3802-476F-89D8-8DFBB1391DB0}" dt="2022-02-15T20:56:32.731" v="1530" actId="1076"/>
           <ac:spMkLst>
             <pc:docMk/>
             <pc:sldMk cId="1075118664" sldId="266"/>
@@ -901,7 +971,7 @@
           </ac:spMkLst>
         </pc:spChg>
         <pc:spChg chg="add mod">
-          <ac:chgData name="Jeremie Desgagne-Bouchard" userId="befeb1e1a66a0338" providerId="LiveId" clId="{1328888D-3802-476F-89D8-8DFBB1391DB0}" dt="2022-02-15T19:15:49.344" v="1214" actId="20577"/>
+          <ac:chgData name="Jeremie Desgagne-Bouchard" userId="befeb1e1a66a0338" providerId="LiveId" clId="{1328888D-3802-476F-89D8-8DFBB1391DB0}" dt="2022-02-15T20:56:32.731" v="1530" actId="1076"/>
           <ac:spMkLst>
             <pc:docMk/>
             <pc:sldMk cId="1075118664" sldId="266"/>
@@ -909,7 +979,7 @@
           </ac:spMkLst>
         </pc:spChg>
         <pc:spChg chg="add mod">
-          <ac:chgData name="Jeremie Desgagne-Bouchard" userId="befeb1e1a66a0338" providerId="LiveId" clId="{1328888D-3802-476F-89D8-8DFBB1391DB0}" dt="2022-02-15T19:21:36.258" v="1278" actId="6549"/>
+          <ac:chgData name="Jeremie Desgagne-Bouchard" userId="befeb1e1a66a0338" providerId="LiveId" clId="{1328888D-3802-476F-89D8-8DFBB1391DB0}" dt="2022-02-15T20:56:32.731" v="1530" actId="1076"/>
           <ac:spMkLst>
             <pc:docMk/>
             <pc:sldMk cId="1075118664" sldId="266"/>
@@ -917,7 +987,7 @@
           </ac:spMkLst>
         </pc:spChg>
         <pc:spChg chg="add mod">
-          <ac:chgData name="Jeremie Desgagne-Bouchard" userId="befeb1e1a66a0338" providerId="LiveId" clId="{1328888D-3802-476F-89D8-8DFBB1391DB0}" dt="2022-02-15T19:16:05.725" v="1217" actId="20577"/>
+          <ac:chgData name="Jeremie Desgagne-Bouchard" userId="befeb1e1a66a0338" providerId="LiveId" clId="{1328888D-3802-476F-89D8-8DFBB1391DB0}" dt="2022-02-15T20:56:32.731" v="1530" actId="1076"/>
           <ac:spMkLst>
             <pc:docMk/>
             <pc:sldMk cId="1075118664" sldId="266"/>
@@ -925,7 +995,7 @@
           </ac:spMkLst>
         </pc:spChg>
         <pc:spChg chg="add mod">
-          <ac:chgData name="Jeremie Desgagne-Bouchard" userId="befeb1e1a66a0338" providerId="LiveId" clId="{1328888D-3802-476F-89D8-8DFBB1391DB0}" dt="2022-02-15T19:21:46.189" v="1280" actId="20577"/>
+          <ac:chgData name="Jeremie Desgagne-Bouchard" userId="befeb1e1a66a0338" providerId="LiveId" clId="{1328888D-3802-476F-89D8-8DFBB1391DB0}" dt="2022-02-15T20:56:32.731" v="1530" actId="1076"/>
           <ac:spMkLst>
             <pc:docMk/>
             <pc:sldMk cId="1075118664" sldId="266"/>
@@ -933,7 +1003,7 @@
           </ac:spMkLst>
         </pc:spChg>
         <pc:spChg chg="add mod">
-          <ac:chgData name="Jeremie Desgagne-Bouchard" userId="befeb1e1a66a0338" providerId="LiveId" clId="{1328888D-3802-476F-89D8-8DFBB1391DB0}" dt="2022-02-15T19:21:51.196" v="1284" actId="20577"/>
+          <ac:chgData name="Jeremie Desgagne-Bouchard" userId="befeb1e1a66a0338" providerId="LiveId" clId="{1328888D-3802-476F-89D8-8DFBB1391DB0}" dt="2022-02-15T20:56:32.731" v="1530" actId="1076"/>
           <ac:spMkLst>
             <pc:docMk/>
             <pc:sldMk cId="1075118664" sldId="266"/>
@@ -941,7 +1011,7 @@
           </ac:spMkLst>
         </pc:spChg>
         <pc:spChg chg="add mod">
-          <ac:chgData name="Jeremie Desgagne-Bouchard" userId="befeb1e1a66a0338" providerId="LiveId" clId="{1328888D-3802-476F-89D8-8DFBB1391DB0}" dt="2022-02-15T19:17:03.048" v="1231" actId="207"/>
+          <ac:chgData name="Jeremie Desgagne-Bouchard" userId="befeb1e1a66a0338" providerId="LiveId" clId="{1328888D-3802-476F-89D8-8DFBB1391DB0}" dt="2022-02-15T20:56:32.731" v="1530" actId="1076"/>
           <ac:spMkLst>
             <pc:docMk/>
             <pc:sldMk cId="1075118664" sldId="266"/>
@@ -949,6 +1019,14 @@
           </ac:spMkLst>
         </pc:spChg>
         <pc:picChg chg="add mod">
+          <ac:chgData name="Jeremie Desgagne-Bouchard" userId="befeb1e1a66a0338" providerId="LiveId" clId="{1328888D-3802-476F-89D8-8DFBB1391DB0}" dt="2022-02-15T20:56:35.125" v="1531"/>
+          <ac:picMkLst>
+            <pc:docMk/>
+            <pc:sldMk cId="1075118664" sldId="266"/>
+            <ac:picMk id="20" creationId="{F5F206B3-E963-4466-A249-639372900B7F}"/>
+          </ac:picMkLst>
+        </pc:picChg>
+        <pc:picChg chg="add mod">
           <ac:chgData name="Jeremie Desgagne-Bouchard" userId="befeb1e1a66a0338" providerId="LiveId" clId="{1328888D-3802-476F-89D8-8DFBB1391DB0}" dt="2022-02-15T19:20:50.553" v="1270" actId="1076"/>
           <ac:picMkLst>
             <pc:docMk/>
@@ -957,7 +1035,7 @@
           </ac:picMkLst>
         </pc:picChg>
         <pc:cxnChg chg="add mod">
-          <ac:chgData name="Jeremie Desgagne-Bouchard" userId="befeb1e1a66a0338" providerId="LiveId" clId="{1328888D-3802-476F-89D8-8DFBB1391DB0}" dt="2022-02-15T19:18:11.455" v="1243" actId="1582"/>
+          <ac:chgData name="Jeremie Desgagne-Bouchard" userId="befeb1e1a66a0338" providerId="LiveId" clId="{1328888D-3802-476F-89D8-8DFBB1391DB0}" dt="2022-02-15T20:56:32.731" v="1530" actId="1076"/>
           <ac:cxnSpMkLst>
             <pc:docMk/>
             <pc:sldMk cId="1075118664" sldId="266"/>
@@ -965,7 +1043,7 @@
           </ac:cxnSpMkLst>
         </pc:cxnChg>
         <pc:cxnChg chg="add mod">
-          <ac:chgData name="Jeremie Desgagne-Bouchard" userId="befeb1e1a66a0338" providerId="LiveId" clId="{1328888D-3802-476F-89D8-8DFBB1391DB0}" dt="2022-02-15T19:18:21.573" v="1250" actId="14100"/>
+          <ac:chgData name="Jeremie Desgagne-Bouchard" userId="befeb1e1a66a0338" providerId="LiveId" clId="{1328888D-3802-476F-89D8-8DFBB1391DB0}" dt="2022-02-15T20:56:32.731" v="1530" actId="1076"/>
           <ac:cxnSpMkLst>
             <pc:docMk/>
             <pc:sldMk cId="1075118664" sldId="266"/>
@@ -973,7 +1051,7 @@
           </ac:cxnSpMkLst>
         </pc:cxnChg>
         <pc:cxnChg chg="add mod">
-          <ac:chgData name="Jeremie Desgagne-Bouchard" userId="befeb1e1a66a0338" providerId="LiveId" clId="{1328888D-3802-476F-89D8-8DFBB1391DB0}" dt="2022-02-15T19:18:36.764" v="1255" actId="14100"/>
+          <ac:chgData name="Jeremie Desgagne-Bouchard" userId="befeb1e1a66a0338" providerId="LiveId" clId="{1328888D-3802-476F-89D8-8DFBB1391DB0}" dt="2022-02-15T20:56:32.731" v="1530" actId="1076"/>
           <ac:cxnSpMkLst>
             <pc:docMk/>
             <pc:sldMk cId="1075118664" sldId="266"/>
@@ -981,7 +1059,7 @@
           </ac:cxnSpMkLst>
         </pc:cxnChg>
         <pc:cxnChg chg="add mod">
-          <ac:chgData name="Jeremie Desgagne-Bouchard" userId="befeb1e1a66a0338" providerId="LiveId" clId="{1328888D-3802-476F-89D8-8DFBB1391DB0}" dt="2022-02-15T19:18:43.405" v="1257" actId="14100"/>
+          <ac:chgData name="Jeremie Desgagne-Bouchard" userId="befeb1e1a66a0338" providerId="LiveId" clId="{1328888D-3802-476F-89D8-8DFBB1391DB0}" dt="2022-02-15T20:56:32.731" v="1530" actId="1076"/>
           <ac:cxnSpMkLst>
             <pc:docMk/>
             <pc:sldMk cId="1075118664" sldId="266"/>
@@ -989,7 +1067,7 @@
           </ac:cxnSpMkLst>
         </pc:cxnChg>
         <pc:cxnChg chg="add mod">
-          <ac:chgData name="Jeremie Desgagne-Bouchard" userId="befeb1e1a66a0338" providerId="LiveId" clId="{1328888D-3802-476F-89D8-8DFBB1391DB0}" dt="2022-02-15T19:18:34.266" v="1254" actId="14100"/>
+          <ac:chgData name="Jeremie Desgagne-Bouchard" userId="befeb1e1a66a0338" providerId="LiveId" clId="{1328888D-3802-476F-89D8-8DFBB1391DB0}" dt="2022-02-15T20:56:32.731" v="1530" actId="1076"/>
           <ac:cxnSpMkLst>
             <pc:docMk/>
             <pc:sldMk cId="1075118664" sldId="266"/>
@@ -997,7 +1075,7 @@
           </ac:cxnSpMkLst>
         </pc:cxnChg>
         <pc:cxnChg chg="add mod">
-          <ac:chgData name="Jeremie Desgagne-Bouchard" userId="befeb1e1a66a0338" providerId="LiveId" clId="{1328888D-3802-476F-89D8-8DFBB1391DB0}" dt="2022-02-15T19:18:51.253" v="1260" actId="14100"/>
+          <ac:chgData name="Jeremie Desgagne-Bouchard" userId="befeb1e1a66a0338" providerId="LiveId" clId="{1328888D-3802-476F-89D8-8DFBB1391DB0}" dt="2022-02-15T20:56:32.731" v="1530" actId="1076"/>
           <ac:cxnSpMkLst>
             <pc:docMk/>
             <pc:sldMk cId="1075118664" sldId="266"/>
@@ -1005,7 +1083,7 @@
           </ac:cxnSpMkLst>
         </pc:cxnChg>
         <pc:cxnChg chg="add mod">
-          <ac:chgData name="Jeremie Desgagne-Bouchard" userId="befeb1e1a66a0338" providerId="LiveId" clId="{1328888D-3802-476F-89D8-8DFBB1391DB0}" dt="2022-02-15T19:20:05.686" v="1265" actId="1582"/>
+          <ac:chgData name="Jeremie Desgagne-Bouchard" userId="befeb1e1a66a0338" providerId="LiveId" clId="{1328888D-3802-476F-89D8-8DFBB1391DB0}" dt="2022-02-15T20:56:32.731" v="1530" actId="1076"/>
           <ac:cxnSpMkLst>
             <pc:docMk/>
             <pc:sldMk cId="1075118664" sldId="266"/>
@@ -1037,7 +1115,7 @@
         </pc:spChg>
       </pc:sldChg>
       <pc:sldChg chg="addSp delSp modSp add mod">
-        <pc:chgData name="Jeremie Desgagne-Bouchard" userId="befeb1e1a66a0338" providerId="LiveId" clId="{1328888D-3802-476F-89D8-8DFBB1391DB0}" dt="2022-01-27T16:55:47.681" v="179" actId="14100"/>
+        <pc:chgData name="Jeremie Desgagne-Bouchard" userId="befeb1e1a66a0338" providerId="LiveId" clId="{1328888D-3802-476F-89D8-8DFBB1391DB0}" dt="2022-02-15T20:55:34.451" v="1523" actId="1076"/>
         <pc:sldMkLst>
           <pc:docMk/>
           <pc:sldMk cId="4034114749" sldId="268"/>
@@ -1051,7 +1129,7 @@
           </ac:spMkLst>
         </pc:spChg>
         <pc:spChg chg="mod">
-          <ac:chgData name="Jeremie Desgagne-Bouchard" userId="befeb1e1a66a0338" providerId="LiveId" clId="{1328888D-3802-476F-89D8-8DFBB1391DB0}" dt="2022-01-27T16:52:53.726" v="139" actId="20577"/>
+          <ac:chgData name="Jeremie Desgagne-Bouchard" userId="befeb1e1a66a0338" providerId="LiveId" clId="{1328888D-3802-476F-89D8-8DFBB1391DB0}" dt="2022-02-15T20:55:18.745" v="1522" actId="1076"/>
           <ac:spMkLst>
             <pc:docMk/>
             <pc:sldMk cId="4034114749" sldId="268"/>
@@ -1123,7 +1201,7 @@
           </ac:spMkLst>
         </pc:spChg>
         <pc:spChg chg="add mod">
-          <ac:chgData name="Jeremie Desgagne-Bouchard" userId="befeb1e1a66a0338" providerId="LiveId" clId="{1328888D-3802-476F-89D8-8DFBB1391DB0}" dt="2022-01-27T16:53:25.602" v="143" actId="207"/>
+          <ac:chgData name="Jeremie Desgagne-Bouchard" userId="befeb1e1a66a0338" providerId="LiveId" clId="{1328888D-3802-476F-89D8-8DFBB1391DB0}" dt="2022-02-15T20:55:34.451" v="1523" actId="1076"/>
           <ac:spMkLst>
             <pc:docMk/>
             <pc:sldMk cId="4034114749" sldId="268"/>
@@ -1131,7 +1209,7 @@
           </ac:spMkLst>
         </pc:spChg>
         <pc:spChg chg="add mod">
-          <ac:chgData name="Jeremie Desgagne-Bouchard" userId="befeb1e1a66a0338" providerId="LiveId" clId="{1328888D-3802-476F-89D8-8DFBB1391DB0}" dt="2022-01-27T16:53:29.017" v="144" actId="207"/>
+          <ac:chgData name="Jeremie Desgagne-Bouchard" userId="befeb1e1a66a0338" providerId="LiveId" clId="{1328888D-3802-476F-89D8-8DFBB1391DB0}" dt="2022-02-15T20:55:34.451" v="1523" actId="1076"/>
           <ac:spMkLst>
             <pc:docMk/>
             <pc:sldMk cId="4034114749" sldId="268"/>
@@ -1139,7 +1217,7 @@
           </ac:spMkLst>
         </pc:spChg>
         <pc:spChg chg="add mod">
-          <ac:chgData name="Jeremie Desgagne-Bouchard" userId="befeb1e1a66a0338" providerId="LiveId" clId="{1328888D-3802-476F-89D8-8DFBB1391DB0}" dt="2022-01-27T16:53:33.051" v="145" actId="207"/>
+          <ac:chgData name="Jeremie Desgagne-Bouchard" userId="befeb1e1a66a0338" providerId="LiveId" clId="{1328888D-3802-476F-89D8-8DFBB1391DB0}" dt="2022-02-15T20:55:34.451" v="1523" actId="1076"/>
           <ac:spMkLst>
             <pc:docMk/>
             <pc:sldMk cId="4034114749" sldId="268"/>
@@ -1155,13 +1233,21 @@
           </ac:spMkLst>
         </pc:spChg>
         <pc:spChg chg="add mod">
-          <ac:chgData name="Jeremie Desgagne-Bouchard" userId="befeb1e1a66a0338" providerId="LiveId" clId="{1328888D-3802-476F-89D8-8DFBB1391DB0}" dt="2022-01-27T16:54:37.739" v="158" actId="1076"/>
+          <ac:chgData name="Jeremie Desgagne-Bouchard" userId="befeb1e1a66a0338" providerId="LiveId" clId="{1328888D-3802-476F-89D8-8DFBB1391DB0}" dt="2022-02-15T20:55:34.451" v="1523" actId="1076"/>
           <ac:spMkLst>
             <pc:docMk/>
             <pc:sldMk cId="4034114749" sldId="268"/>
             <ac:spMk id="18" creationId="{73440D58-BF9C-4A4B-9189-76D9A2A28167}"/>
           </ac:spMkLst>
         </pc:spChg>
+        <pc:picChg chg="add mod">
+          <ac:chgData name="Jeremie Desgagne-Bouchard" userId="befeb1e1a66a0338" providerId="LiveId" clId="{1328888D-3802-476F-89D8-8DFBB1391DB0}" dt="2022-02-15T20:54:43.380" v="1521"/>
+          <ac:picMkLst>
+            <pc:docMk/>
+            <pc:sldMk cId="4034114749" sldId="268"/>
+            <ac:picMk id="20" creationId="{E562361B-F0AB-4EAC-802D-C4F53B785B50}"/>
+          </ac:picMkLst>
+        </pc:picChg>
         <pc:cxnChg chg="add mod">
           <ac:chgData name="Jeremie Desgagne-Bouchard" userId="befeb1e1a66a0338" providerId="LiveId" clId="{1328888D-3802-476F-89D8-8DFBB1391DB0}" dt="2022-01-27T16:55:03.151" v="163" actId="208"/>
           <ac:cxnSpMkLst>
@@ -1187,7 +1273,7 @@
           </ac:cxnSpMkLst>
         </pc:cxnChg>
         <pc:cxnChg chg="add mod">
-          <ac:chgData name="Jeremie Desgagne-Bouchard" userId="befeb1e1a66a0338" providerId="LiveId" clId="{1328888D-3802-476F-89D8-8DFBB1391DB0}" dt="2022-01-27T16:55:33.642" v="172" actId="14100"/>
+          <ac:chgData name="Jeremie Desgagne-Bouchard" userId="befeb1e1a66a0338" providerId="LiveId" clId="{1328888D-3802-476F-89D8-8DFBB1391DB0}" dt="2022-02-15T20:55:34.451" v="1523" actId="1076"/>
           <ac:cxnSpMkLst>
             <pc:docMk/>
             <pc:sldMk cId="4034114749" sldId="268"/>
@@ -1195,7 +1281,7 @@
           </ac:cxnSpMkLst>
         </pc:cxnChg>
         <pc:cxnChg chg="add mod">
-          <ac:chgData name="Jeremie Desgagne-Bouchard" userId="befeb1e1a66a0338" providerId="LiveId" clId="{1328888D-3802-476F-89D8-8DFBB1391DB0}" dt="2022-01-27T16:55:40.634" v="176" actId="14100"/>
+          <ac:chgData name="Jeremie Desgagne-Bouchard" userId="befeb1e1a66a0338" providerId="LiveId" clId="{1328888D-3802-476F-89D8-8DFBB1391DB0}" dt="2022-02-15T20:55:34.451" v="1523" actId="1076"/>
           <ac:cxnSpMkLst>
             <pc:docMk/>
             <pc:sldMk cId="4034114749" sldId="268"/>
@@ -1203,7 +1289,7 @@
           </ac:cxnSpMkLst>
         </pc:cxnChg>
         <pc:cxnChg chg="add mod">
-          <ac:chgData name="Jeremie Desgagne-Bouchard" userId="befeb1e1a66a0338" providerId="LiveId" clId="{1328888D-3802-476F-89D8-8DFBB1391DB0}" dt="2022-01-27T16:55:47.681" v="179" actId="14100"/>
+          <ac:chgData name="Jeremie Desgagne-Bouchard" userId="befeb1e1a66a0338" providerId="LiveId" clId="{1328888D-3802-476F-89D8-8DFBB1391DB0}" dt="2022-02-15T20:55:34.451" v="1523" actId="1076"/>
           <ac:cxnSpMkLst>
             <pc:docMk/>
             <pc:sldMk cId="4034114749" sldId="268"/>
@@ -1211,8 +1297,8 @@
           </ac:cxnSpMkLst>
         </pc:cxnChg>
       </pc:sldChg>
-      <pc:sldChg chg="modSp add mod">
-        <pc:chgData name="Jeremie Desgagne-Bouchard" userId="befeb1e1a66a0338" providerId="LiveId" clId="{1328888D-3802-476F-89D8-8DFBB1391DB0}" dt="2022-02-15T00:32:57.470" v="727" actId="20577"/>
+      <pc:sldChg chg="addSp modSp add mod">
+        <pc:chgData name="Jeremie Desgagne-Bouchard" userId="befeb1e1a66a0338" providerId="LiveId" clId="{1328888D-3802-476F-89D8-8DFBB1391DB0}" dt="2022-02-15T20:56:43.427" v="1532"/>
         <pc:sldMkLst>
           <pc:docMk/>
           <pc:sldMk cId="4217931981" sldId="269"/>
@@ -1225,9 +1311,17 @@
             <ac:spMk id="12" creationId="{9236F6E0-458A-4C95-8192-B9B542306D9F}"/>
           </ac:spMkLst>
         </pc:spChg>
+        <pc:picChg chg="add mod">
+          <ac:chgData name="Jeremie Desgagne-Bouchard" userId="befeb1e1a66a0338" providerId="LiveId" clId="{1328888D-3802-476F-89D8-8DFBB1391DB0}" dt="2022-02-15T20:56:43.427" v="1532"/>
+          <ac:picMkLst>
+            <pc:docMk/>
+            <pc:sldMk cId="4217931981" sldId="269"/>
+            <ac:picMk id="6" creationId="{08D9ADD5-772E-432F-8347-0A01ADFFD4C0}"/>
+          </ac:picMkLst>
+        </pc:picChg>
       </pc:sldChg>
       <pc:sldChg chg="addSp delSp modSp add mod">
-        <pc:chgData name="Jeremie Desgagne-Bouchard" userId="befeb1e1a66a0338" providerId="LiveId" clId="{1328888D-3802-476F-89D8-8DFBB1391DB0}" dt="2022-02-15T19:23:18.989" v="1291" actId="1076"/>
+        <pc:chgData name="Jeremie Desgagne-Bouchard" userId="befeb1e1a66a0338" providerId="LiveId" clId="{1328888D-3802-476F-89D8-8DFBB1391DB0}" dt="2022-02-15T20:54:41.023" v="1520" actId="1035"/>
         <pc:sldMkLst>
           <pc:docMk/>
           <pc:sldMk cId="3054137920" sldId="270"/>
@@ -1256,31 +1350,55 @@
             <ac:spMk id="6" creationId="{F76582E8-98AA-4990-8E67-D6B0C08ABCB7}"/>
           </ac:spMkLst>
         </pc:spChg>
+        <pc:picChg chg="add mod">
+          <ac:chgData name="Jeremie Desgagne-Bouchard" userId="befeb1e1a66a0338" providerId="LiveId" clId="{1328888D-3802-476F-89D8-8DFBB1391DB0}" dt="2022-02-15T20:54:41.023" v="1520" actId="1035"/>
+          <ac:picMkLst>
+            <pc:docMk/>
+            <pc:sldMk cId="3054137920" sldId="270"/>
+            <ac:picMk id="4" creationId="{CBCC48FF-FEDA-4F5A-A959-AABE30ACCA2C}"/>
+          </ac:picMkLst>
+        </pc:picChg>
       </pc:sldChg>
-      <pc:sldChg chg="add">
-        <pc:chgData name="Jeremie Desgagne-Bouchard" userId="befeb1e1a66a0338" providerId="LiveId" clId="{1328888D-3802-476F-89D8-8DFBB1391DB0}" dt="2022-01-27T22:23:18.680" v="220"/>
+      <pc:sldChg chg="addSp modSp add">
+        <pc:chgData name="Jeremie Desgagne-Bouchard" userId="befeb1e1a66a0338" providerId="LiveId" clId="{1328888D-3802-476F-89D8-8DFBB1391DB0}" dt="2022-02-15T20:54:38.575" v="1518"/>
         <pc:sldMkLst>
           <pc:docMk/>
           <pc:sldMk cId="1680342322" sldId="271"/>
         </pc:sldMkLst>
+        <pc:picChg chg="add mod">
+          <ac:chgData name="Jeremie Desgagne-Bouchard" userId="befeb1e1a66a0338" providerId="LiveId" clId="{1328888D-3802-476F-89D8-8DFBB1391DB0}" dt="2022-02-15T20:54:38.575" v="1518"/>
+          <ac:picMkLst>
+            <pc:docMk/>
+            <pc:sldMk cId="1680342322" sldId="271"/>
+            <ac:picMk id="5" creationId="{A860E365-2610-48FC-A5CD-BCB977EDE20F}"/>
+          </ac:picMkLst>
+        </pc:picChg>
       </pc:sldChg>
       <pc:sldChg chg="addSp modSp add mod">
-        <pc:chgData name="Jeremie Desgagne-Bouchard" userId="befeb1e1a66a0338" providerId="LiveId" clId="{1328888D-3802-476F-89D8-8DFBB1391DB0}" dt="2022-02-15T20:17:29.883" v="1464" actId="20577"/>
+        <pc:chgData name="Jeremie Desgagne-Bouchard" userId="befeb1e1a66a0338" providerId="LiveId" clId="{1328888D-3802-476F-89D8-8DFBB1391DB0}" dt="2022-02-15T20:55:51.500" v="1526" actId="20577"/>
         <pc:sldMkLst>
           <pc:docMk/>
           <pc:sldMk cId="2032574703" sldId="272"/>
         </pc:sldMkLst>
         <pc:spChg chg="add mod">
-          <ac:chgData name="Jeremie Desgagne-Bouchard" userId="befeb1e1a66a0338" providerId="LiveId" clId="{1328888D-3802-476F-89D8-8DFBB1391DB0}" dt="2022-02-15T20:17:29.883" v="1464" actId="20577"/>
+          <ac:chgData name="Jeremie Desgagne-Bouchard" userId="befeb1e1a66a0338" providerId="LiveId" clId="{1328888D-3802-476F-89D8-8DFBB1391DB0}" dt="2022-02-15T20:55:51.500" v="1526" actId="20577"/>
           <ac:spMkLst>
             <pc:docMk/>
             <pc:sldMk cId="2032574703" sldId="272"/>
             <ac:spMk id="3" creationId="{B0D474EB-2D70-4ED9-BB6F-ADADE65906BF}"/>
           </ac:spMkLst>
         </pc:spChg>
+        <pc:picChg chg="add mod">
+          <ac:chgData name="Jeremie Desgagne-Bouchard" userId="befeb1e1a66a0338" providerId="LiveId" clId="{1328888D-3802-476F-89D8-8DFBB1391DB0}" dt="2022-02-15T20:55:42.647" v="1524"/>
+          <ac:picMkLst>
+            <pc:docMk/>
+            <pc:sldMk cId="2032574703" sldId="272"/>
+            <ac:picMk id="4" creationId="{1CD4F022-F4F9-4447-B347-847FADA9DF66}"/>
+          </ac:picMkLst>
+        </pc:picChg>
       </pc:sldChg>
       <pc:sldChg chg="addSp delSp modSp add mod ord">
-        <pc:chgData name="Jeremie Desgagne-Bouchard" userId="befeb1e1a66a0338" providerId="LiveId" clId="{1328888D-3802-476F-89D8-8DFBB1391DB0}" dt="2022-02-12T01:15:13.038" v="719" actId="20577"/>
+        <pc:chgData name="Jeremie Desgagne-Bouchard" userId="befeb1e1a66a0338" providerId="LiveId" clId="{1328888D-3802-476F-89D8-8DFBB1391DB0}" dt="2022-02-15T20:54:14.286" v="1516" actId="1036"/>
         <pc:sldMkLst>
           <pc:docMk/>
           <pc:sldMk cId="1166421813" sldId="273"/>
@@ -1309,6 +1427,14 @@
             <ac:graphicFrameMk id="2" creationId="{1CD320F1-63D1-4B6B-AED0-25A71A2419B4}"/>
           </ac:graphicFrameMkLst>
         </pc:graphicFrameChg>
+        <pc:picChg chg="add mod">
+          <ac:chgData name="Jeremie Desgagne-Bouchard" userId="befeb1e1a66a0338" providerId="LiveId" clId="{1328888D-3802-476F-89D8-8DFBB1391DB0}" dt="2022-02-15T20:54:14.286" v="1516" actId="1036"/>
+          <ac:picMkLst>
+            <pc:docMk/>
+            <pc:sldMk cId="1166421813" sldId="273"/>
+            <ac:picMk id="5" creationId="{4298CEF2-A087-46FC-BDBA-A83E30E39AA5}"/>
+          </ac:picMkLst>
+        </pc:picChg>
         <pc:picChg chg="del">
           <ac:chgData name="Jeremie Desgagne-Bouchard" userId="befeb1e1a66a0338" providerId="LiveId" clId="{1328888D-3802-476F-89D8-8DFBB1391DB0}" dt="2022-02-11T16:16:38.894" v="499" actId="478"/>
           <ac:picMkLst>
@@ -1374,7 +1500,7 @@
         </pc:picChg>
       </pc:sldChg>
       <pc:sldChg chg="addSp delSp modSp add mod">
-        <pc:chgData name="Jeremie Desgagne-Bouchard" userId="befeb1e1a66a0338" providerId="LiveId" clId="{1328888D-3802-476F-89D8-8DFBB1391DB0}" dt="2022-02-15T19:25:20.614" v="1367" actId="403"/>
+        <pc:chgData name="Jeremie Desgagne-Bouchard" userId="befeb1e1a66a0338" providerId="LiveId" clId="{1328888D-3802-476F-89D8-8DFBB1391DB0}" dt="2022-02-15T20:54:30.479" v="1517"/>
         <pc:sldMkLst>
           <pc:docMk/>
           <pc:sldMk cId="2045622100" sldId="275"/>
@@ -1419,9 +1545,17 @@
             <ac:picMk id="5" creationId="{A8B86BB7-ED80-4D2E-B438-8C3FAA5A07DD}"/>
           </ac:picMkLst>
         </pc:picChg>
+        <pc:picChg chg="add mod">
+          <ac:chgData name="Jeremie Desgagne-Bouchard" userId="befeb1e1a66a0338" providerId="LiveId" clId="{1328888D-3802-476F-89D8-8DFBB1391DB0}" dt="2022-02-15T20:54:30.479" v="1517"/>
+          <ac:picMkLst>
+            <pc:docMk/>
+            <pc:sldMk cId="2045622100" sldId="275"/>
+            <ac:picMk id="6" creationId="{7C38C96C-621E-4ECE-8366-7BC29DE1E4C7}"/>
+          </ac:picMkLst>
+        </pc:picChg>
       </pc:sldChg>
-      <pc:sldChg chg="addSp modSp add mod setBg">
-        <pc:chgData name="Jeremie Desgagne-Bouchard" userId="befeb1e1a66a0338" providerId="LiveId" clId="{1328888D-3802-476F-89D8-8DFBB1391DB0}" dt="2022-02-15T04:53:42.845" v="1078" actId="20577"/>
+      <pc:sldChg chg="addSp modSp add del mod setBg">
+        <pc:chgData name="Jeremie Desgagne-Bouchard" userId="befeb1e1a66a0338" providerId="LiveId" clId="{1328888D-3802-476F-89D8-8DFBB1391DB0}" dt="2022-02-15T20:57:54.412" v="1541" actId="47"/>
         <pc:sldMkLst>
           <pc:docMk/>
           <pc:sldMk cId="2749748743" sldId="276"/>
@@ -1456,6 +1590,92 @@
             <pc:docMk/>
             <pc:sldMk cId="2749748743" sldId="276"/>
             <ac:picMk id="5" creationId="{A8B86BB7-ED80-4D2E-B438-8C3FAA5A07DD}"/>
+          </ac:picMkLst>
+        </pc:picChg>
+      </pc:sldChg>
+      <pc:sldChg chg="addSp delSp modSp add del mod">
+        <pc:chgData name="Jeremie Desgagne-Bouchard" userId="befeb1e1a66a0338" providerId="LiveId" clId="{1328888D-3802-476F-89D8-8DFBB1391DB0}" dt="2022-02-15T20:49:36.954" v="1474"/>
+        <pc:sldMkLst>
+          <pc:docMk/>
+          <pc:sldMk cId="1443671939" sldId="277"/>
+        </pc:sldMkLst>
+        <pc:spChg chg="mod">
+          <ac:chgData name="Jeremie Desgagne-Bouchard" userId="befeb1e1a66a0338" providerId="LiveId" clId="{1328888D-3802-476F-89D8-8DFBB1391DB0}" dt="2022-02-15T20:49:36.072" v="1473"/>
+          <ac:spMkLst>
+            <pc:docMk/>
+            <pc:sldMk cId="1443671939" sldId="277"/>
+            <ac:spMk id="4" creationId="{AB20E9D5-903B-47E4-9C66-9CDB5BCF9348}"/>
+          </ac:spMkLst>
+        </pc:spChg>
+        <pc:picChg chg="add del">
+          <ac:chgData name="Jeremie Desgagne-Bouchard" userId="befeb1e1a66a0338" providerId="LiveId" clId="{1328888D-3802-476F-89D8-8DFBB1391DB0}" dt="2022-02-15T20:48:40.733" v="1469"/>
+          <ac:picMkLst>
+            <pc:docMk/>
+            <pc:sldMk cId="1443671939" sldId="277"/>
+            <ac:picMk id="2050" creationId="{C2546E5C-ABA3-4469-90BC-AA0265D48EEF}"/>
+          </ac:picMkLst>
+        </pc:picChg>
+        <pc:picChg chg="add del">
+          <ac:chgData name="Jeremie Desgagne-Bouchard" userId="befeb1e1a66a0338" providerId="LiveId" clId="{1328888D-3802-476F-89D8-8DFBB1391DB0}" dt="2022-02-15T20:49:28.667" v="1471"/>
+          <ac:picMkLst>
+            <pc:docMk/>
+            <pc:sldMk cId="1443671939" sldId="277"/>
+            <ac:picMk id="2052" creationId="{B14C9F27-BE73-482E-9334-337E9050A1F2}"/>
+          </ac:picMkLst>
+        </pc:picChg>
+      </pc:sldChg>
+      <pc:sldChg chg="addSp delSp modSp add mod">
+        <pc:chgData name="Jeremie Desgagne-Bouchard" userId="befeb1e1a66a0338" providerId="LiveId" clId="{1328888D-3802-476F-89D8-8DFBB1391DB0}" dt="2022-02-15T20:53:03.335" v="1511" actId="1076"/>
+        <pc:sldMkLst>
+          <pc:docMk/>
+          <pc:sldMk cId="1884804060" sldId="277"/>
+        </pc:sldMkLst>
+        <pc:spChg chg="add del mod">
+          <ac:chgData name="Jeremie Desgagne-Bouchard" userId="befeb1e1a66a0338" providerId="LiveId" clId="{1328888D-3802-476F-89D8-8DFBB1391DB0}" dt="2022-02-15T20:51:21.924" v="1494"/>
+          <ac:spMkLst>
+            <pc:docMk/>
+            <pc:sldMk cId="1884804060" sldId="277"/>
+            <ac:spMk id="3" creationId="{CC53E508-D1A3-4F8F-B1A4-941DA7AADAE6}"/>
+          </ac:spMkLst>
+        </pc:spChg>
+        <pc:spChg chg="mod">
+          <ac:chgData name="Jeremie Desgagne-Bouchard" userId="befeb1e1a66a0338" providerId="LiveId" clId="{1328888D-3802-476F-89D8-8DFBB1391DB0}" dt="2022-02-15T20:52:06.653" v="1503" actId="20577"/>
+          <ac:spMkLst>
+            <pc:docMk/>
+            <pc:sldMk cId="1884804060" sldId="277"/>
+            <ac:spMk id="4" creationId="{AB20E9D5-903B-47E4-9C66-9CDB5BCF9348}"/>
+          </ac:spMkLst>
+        </pc:spChg>
+        <pc:spChg chg="add del">
+          <ac:chgData name="Jeremie Desgagne-Bouchard" userId="befeb1e1a66a0338" providerId="LiveId" clId="{1328888D-3802-476F-89D8-8DFBB1391DB0}" dt="2022-02-15T20:49:46.969" v="1477" actId="478"/>
+          <ac:spMkLst>
+            <pc:docMk/>
+            <pc:sldMk cId="1884804060" sldId="277"/>
+            <ac:spMk id="5" creationId="{E05AF118-4C02-4F6E-8E88-CE630AE9B665}"/>
+          </ac:spMkLst>
+        </pc:spChg>
+        <pc:picChg chg="del mod">
+          <ac:chgData name="Jeremie Desgagne-Bouchard" userId="befeb1e1a66a0338" providerId="LiveId" clId="{1328888D-3802-476F-89D8-8DFBB1391DB0}" dt="2022-02-15T20:52:09.920" v="1504" actId="478"/>
+          <ac:picMkLst>
+            <pc:docMk/>
+            <pc:sldMk cId="1884804060" sldId="277"/>
+            <ac:picMk id="6" creationId="{B4C208C4-E646-4E7A-9732-4F7754CEDA22}"/>
+          </ac:picMkLst>
+        </pc:picChg>
+        <pc:picChg chg="add del mod">
+          <ac:chgData name="Jeremie Desgagne-Bouchard" userId="befeb1e1a66a0338" providerId="LiveId" clId="{1328888D-3802-476F-89D8-8DFBB1391DB0}" dt="2022-02-15T20:52:38.622" v="1508" actId="1076"/>
+          <ac:picMkLst>
+            <pc:docMk/>
+            <pc:sldMk cId="1884804060" sldId="277"/>
+            <ac:picMk id="3074" creationId="{DC529DD9-9312-46FA-BF15-7CE3BC7ECAE5}"/>
+          </ac:picMkLst>
+        </pc:picChg>
+        <pc:picChg chg="add mod">
+          <ac:chgData name="Jeremie Desgagne-Bouchard" userId="befeb1e1a66a0338" providerId="LiveId" clId="{1328888D-3802-476F-89D8-8DFBB1391DB0}" dt="2022-02-15T20:53:03.335" v="1511" actId="1076"/>
+          <ac:picMkLst>
+            <pc:docMk/>
+            <pc:sldMk cId="1884804060" sldId="277"/>
+            <ac:picMk id="3078" creationId="{4C8C28A7-7931-4EDE-8FFA-DF25FAA25C56}"/>
           </ac:picMkLst>
         </pc:picChg>
       </pc:sldChg>
@@ -4699,6 +4919,53 @@
           <a:chExt cx="0" cy="0"/>
         </a:xfrm>
       </p:grpSpPr>
+      <p:pic>
+        <p:nvPicPr>
+          <p:cNvPr id="3074" name="Picture 2">
+            <a:extLst>
+              <a:ext uri="{FF2B5EF4-FFF2-40B4-BE49-F238E27FC236}">
+                <a16:creationId xmlns:a16="http://schemas.microsoft.com/office/drawing/2014/main" id="{DC529DD9-9312-46FA-BF15-7CE3BC7ECAE5}"/>
+              </a:ext>
+            </a:extLst>
+          </p:cNvPr>
+          <p:cNvPicPr>
+            <a:picLocks noChangeAspect="1" noChangeArrowheads="1"/>
+          </p:cNvPicPr>
+          <p:nvPr/>
+        </p:nvPicPr>
+        <p:blipFill>
+          <a:blip r:embed="rId2">
+            <a:extLst>
+              <a:ext uri="{28A0092B-C50C-407E-A947-70E740481C1C}">
+                <a14:useLocalDpi xmlns:a14="http://schemas.microsoft.com/office/drawing/2010/main" val="0"/>
+              </a:ext>
+            </a:extLst>
+          </a:blip>
+          <a:srcRect/>
+          <a:stretch>
+            <a:fillRect/>
+          </a:stretch>
+        </p:blipFill>
+        <p:spPr bwMode="auto">
+          <a:xfrm>
+            <a:off x="0" y="0"/>
+            <a:ext cx="12192000" cy="6858000"/>
+          </a:xfrm>
+          <a:prstGeom prst="rect">
+            <a:avLst/>
+          </a:prstGeom>
+          <a:noFill/>
+          <a:extLst>
+            <a:ext uri="{909E8E84-426E-40DD-AFC4-6F175D3DCCD1}">
+              <a14:hiddenFill xmlns:a14="http://schemas.microsoft.com/office/drawing/2010/main">
+                <a:solidFill>
+                  <a:srgbClr val="FFFFFF"/>
+                </a:solidFill>
+              </a14:hiddenFill>
+            </a:ext>
+          </a:extLst>
+        </p:spPr>
+      </p:pic>
       <p:sp>
         <p:nvSpPr>
           <p:cNvPr id="4" name="Title 1">
@@ -4727,71 +4994,89 @@
           </a:bodyPr>
           <a:lstStyle/>
           <a:p>
-            <a:r>
-              <a:rPr lang="fr-CA" sz="3600" dirty="0"/>
-              <a:t>End to End </a:t>
+            <a:pPr algn="l"/>
+            <a:r>
+              <a:rPr lang="en-US" sz="3600" dirty="0">
+                <a:solidFill>
+                  <a:schemeClr val="bg1"/>
+                </a:solidFill>
+              </a:rPr>
+              <a:t>End-to-End Machine Learning </a:t>
             </a:r>
             <a:br>
-              <a:rPr lang="fr-CA" sz="3600" dirty="0"/>
+              <a:rPr lang="en-US" sz="3600" dirty="0">
+                <a:solidFill>
+                  <a:schemeClr val="bg1"/>
+                </a:solidFill>
+              </a:rPr>
             </a:br>
             <a:r>
-              <a:rPr lang="fr-CA" sz="3600" dirty="0"/>
-              <a:t>Data Science Workflow</a:t>
-            </a:r>
-            <a:br>
-              <a:rPr lang="fr-CA" sz="3600" dirty="0"/>
-            </a:br>
-            <a:r>
-              <a:rPr lang="fr-CA" sz="3600" dirty="0" err="1"/>
-              <a:t>with</a:t>
-            </a:r>
-            <a:br>
-              <a:rPr lang="fr-CA" sz="3600" dirty="0"/>
-            </a:br>
-            <a:endParaRPr lang="en-CA" sz="3600" dirty="0"/>
+              <a:rPr lang="en-US" sz="3600" dirty="0">
+                <a:solidFill>
+                  <a:schemeClr val="bg1"/>
+                </a:solidFill>
+              </a:rPr>
+              <a:t>Workflow Using Julia</a:t>
+            </a:r>
+            <a:endParaRPr lang="en-CA" sz="3600" dirty="0">
+              <a:solidFill>
+                <a:schemeClr val="bg1"/>
+              </a:solidFill>
+            </a:endParaRPr>
           </a:p>
         </p:txBody>
       </p:sp>
       <p:pic>
         <p:nvPicPr>
-          <p:cNvPr id="6" name="Picture 5" descr="Shape&#10;&#10;Description automatically generated with medium confidence">
+          <p:cNvPr id="3078" name="Picture 6">
             <a:extLst>
               <a:ext uri="{FF2B5EF4-FFF2-40B4-BE49-F238E27FC236}">
-                <a16:creationId xmlns:a16="http://schemas.microsoft.com/office/drawing/2014/main" id="{B4C208C4-E646-4E7A-9732-4F7754CEDA22}"/>
+                <a16:creationId xmlns:a16="http://schemas.microsoft.com/office/drawing/2014/main" id="{4C8C28A7-7931-4EDE-8FFA-DF25FAA25C56}"/>
               </a:ext>
             </a:extLst>
           </p:cNvPr>
           <p:cNvPicPr>
-            <a:picLocks noChangeAspect="1"/>
+            <a:picLocks noChangeAspect="1" noChangeArrowheads="1"/>
           </p:cNvPicPr>
           <p:nvPr/>
         </p:nvPicPr>
         <p:blipFill>
-          <a:blip r:embed="rId2">
+          <a:blip r:embed="rId3">
             <a:extLst>
               <a:ext uri="{28A0092B-C50C-407E-A947-70E740481C1C}">
                 <a14:useLocalDpi xmlns:a14="http://schemas.microsoft.com/office/drawing/2010/main" val="0"/>
               </a:ext>
             </a:extLst>
           </a:blip>
+          <a:srcRect/>
           <a:stretch>
             <a:fillRect/>
           </a:stretch>
         </p:blipFill>
-        <p:spPr>
+        <p:spPr bwMode="auto">
           <a:xfrm>
-            <a:off x="3502911" y="4525180"/>
-            <a:ext cx="5186178" cy="788965"/>
+            <a:off x="41335" y="195240"/>
+            <a:ext cx="2965330" cy="1257300"/>
           </a:xfrm>
           <a:prstGeom prst="rect">
             <a:avLst/>
           </a:prstGeom>
+          <a:noFill/>
+          <a:extLst>
+            <a:ext uri="{909E8E84-426E-40DD-AFC4-6F175D3DCCD1}">
+              <a14:hiddenFill xmlns:a14="http://schemas.microsoft.com/office/drawing/2010/main">
+                <a:solidFill>
+                  <a:srgbClr val="FFFFFF"/>
+                </a:solidFill>
+              </a14:hiddenFill>
+            </a:ext>
+          </a:extLst>
         </p:spPr>
       </p:pic>
     </p:spTree>
     <p:extLst>
       <p:ext uri="{BB962C8B-B14F-4D97-AF65-F5344CB8AC3E}">
-        <p14:creationId xmlns:p14="http://schemas.microsoft.com/office/powerpoint/2010/main" val="3272251200"/>
+        <p14:creationId xmlns:p14="http://schemas.microsoft.com/office/powerpoint/2010/main" val="1884804060"/>
       </p:ext>
     </p:extLst>
   </p:cSld>
@@ -4889,7 +5174,7 @@
         <p:spPr>
           <a:xfrm>
             <a:off x="1586593" y="2379163"/>
-            <a:ext cx="9018814" cy="3970318"/>
+            <a:ext cx="9018814" cy="3416320"/>
           </a:xfrm>
           <a:prstGeom prst="rect">
             <a:avLst/>
@@ -4906,15 +5191,6 @@
           </a:bodyPr>
           <a:lstStyle/>
           <a:p>
-            <a:endParaRPr lang="en-CA" b="0" dirty="0">
-              <a:solidFill>
-                <a:srgbClr val="C678DD"/>
-              </a:solidFill>
-              <a:effectLst/>
-              <a:latin typeface="Consolas" panose="020B0609020204030204" pitchFamily="49" charset="0"/>
-            </a:endParaRPr>
-          </a:p>
-          <a:p>
             <a:r>
               <a:rPr lang="en-CA" b="0" dirty="0">
                 <a:solidFill>
@@ -5735,17 +6011,55 @@
               <a:latin typeface="Consolas" panose="020B0609020204030204" pitchFamily="49" charset="0"/>
             </a:endParaRPr>
           </a:p>
-          <a:p>
-            <a:endParaRPr lang="en-US" b="0" dirty="0">
-              <a:solidFill>
-                <a:srgbClr val="ABB2BF"/>
-              </a:solidFill>
-              <a:effectLst/>
-              <a:latin typeface="Consolas" panose="020B0609020204030204" pitchFamily="49" charset="0"/>
-            </a:endParaRPr>
-          </a:p>
         </p:txBody>
       </p:sp>
+      <p:pic>
+        <p:nvPicPr>
+          <p:cNvPr id="4" name="Picture 2">
+            <a:extLst>
+              <a:ext uri="{FF2B5EF4-FFF2-40B4-BE49-F238E27FC236}">
+                <a16:creationId xmlns:a16="http://schemas.microsoft.com/office/drawing/2014/main" id="{1CD4F022-F4F9-4447-B347-847FADA9DF66}"/>
+              </a:ext>
+            </a:extLst>
+          </p:cNvPr>
+          <p:cNvPicPr>
+            <a:picLocks noChangeAspect="1" noChangeArrowheads="1"/>
+          </p:cNvPicPr>
+          <p:nvPr/>
+        </p:nvPicPr>
+        <p:blipFill>
+          <a:blip r:embed="rId2">
+            <a:extLst>
+              <a:ext uri="{28A0092B-C50C-407E-A947-70E740481C1C}">
+                <a14:useLocalDpi xmlns:a14="http://schemas.microsoft.com/office/drawing/2010/main" val="0"/>
+              </a:ext>
+            </a:extLst>
+          </a:blip>
+          <a:srcRect/>
+          <a:stretch>
+            <a:fillRect/>
+          </a:stretch>
+        </p:blipFill>
+        <p:spPr bwMode="auto">
+          <a:xfrm>
+            <a:off x="0" y="6362700"/>
+            <a:ext cx="12192000" cy="495300"/>
+          </a:xfrm>
+          <a:prstGeom prst="rect">
+            <a:avLst/>
+          </a:prstGeom>
+          <a:noFill/>
+          <a:extLst>
+            <a:ext uri="{909E8E84-426E-40DD-AFC4-6F175D3DCCD1}">
+              <a14:hiddenFill xmlns:a14="http://schemas.microsoft.com/office/drawing/2010/main">
+                <a:solidFill>
+                  <a:srgbClr val="FFFFFF"/>
+                </a:solidFill>
+              </a14:hiddenFill>
+            </a:ext>
+          </a:extLst>
+        </p:spPr>
+      </p:pic>
     </p:spTree>
     <p:extLst>
       <p:ext uri="{BB962C8B-B14F-4D97-AF65-F5344CB8AC3E}">
@@ -5846,7 +6160,7 @@
         </p:nvSpPr>
         <p:spPr>
           <a:xfrm>
-            <a:off x="1127449" y="3765882"/>
+            <a:off x="1192763" y="3621165"/>
             <a:ext cx="9937101" cy="646331"/>
           </a:xfrm>
           <a:prstGeom prst="rect">
@@ -6129,7 +6443,7 @@
         </p:nvSpPr>
         <p:spPr>
           <a:xfrm>
-            <a:off x="3621833" y="4438055"/>
+            <a:off x="3696477" y="4148621"/>
             <a:ext cx="1474236" cy="583163"/>
           </a:xfrm>
           <a:prstGeom prst="rect">
@@ -6185,7 +6499,7 @@
         </p:nvSpPr>
         <p:spPr>
           <a:xfrm>
-            <a:off x="3621833" y="5178284"/>
+            <a:off x="3696477" y="4888850"/>
             <a:ext cx="1474236" cy="583163"/>
           </a:xfrm>
           <a:prstGeom prst="rect">
@@ -6241,7 +6555,7 @@
         </p:nvSpPr>
         <p:spPr>
           <a:xfrm>
-            <a:off x="3621833" y="5918513"/>
+            <a:off x="3696477" y="5629079"/>
             <a:ext cx="1474236" cy="583163"/>
           </a:xfrm>
           <a:prstGeom prst="rect">
@@ -6353,7 +6667,7 @@
         </p:nvSpPr>
         <p:spPr>
           <a:xfrm>
-            <a:off x="5865846" y="5178284"/>
+            <a:off x="5940490" y="4888850"/>
             <a:ext cx="1474236" cy="583163"/>
           </a:xfrm>
           <a:prstGeom prst="rect">
@@ -6551,7 +6865,7 @@
         </p:nvCxnSpPr>
         <p:spPr>
           <a:xfrm>
-            <a:off x="5096069" y="4729637"/>
+            <a:off x="5170713" y="4440203"/>
             <a:ext cx="769777" cy="740229"/>
           </a:xfrm>
           <a:prstGeom prst="straightConnector1">
@@ -6597,7 +6911,7 @@
         </p:nvCxnSpPr>
         <p:spPr>
           <a:xfrm>
-            <a:off x="5096069" y="5469866"/>
+            <a:off x="5170713" y="5180432"/>
             <a:ext cx="769777" cy="0"/>
           </a:xfrm>
           <a:prstGeom prst="straightConnector1">
@@ -6643,7 +6957,7 @@
         </p:nvCxnSpPr>
         <p:spPr>
           <a:xfrm flipV="1">
-            <a:off x="5096069" y="5469866"/>
+            <a:off x="5170713" y="5180432"/>
             <a:ext cx="769777" cy="740229"/>
           </a:xfrm>
           <a:prstGeom prst="straightConnector1">
@@ -6671,6 +6985,53 @@
           </a:fontRef>
         </p:style>
       </p:cxnSp>
+      <p:pic>
+        <p:nvPicPr>
+          <p:cNvPr id="20" name="Picture 2">
+            <a:extLst>
+              <a:ext uri="{FF2B5EF4-FFF2-40B4-BE49-F238E27FC236}">
+                <a16:creationId xmlns:a16="http://schemas.microsoft.com/office/drawing/2014/main" id="{E562361B-F0AB-4EAC-802D-C4F53B785B50}"/>
+              </a:ext>
+            </a:extLst>
+          </p:cNvPr>
+          <p:cNvPicPr>
+            <a:picLocks noChangeAspect="1" noChangeArrowheads="1"/>
+          </p:cNvPicPr>
+          <p:nvPr/>
+        </p:nvPicPr>
+        <p:blipFill>
+          <a:blip r:embed="rId2">
+            <a:extLst>
+              <a:ext uri="{28A0092B-C50C-407E-A947-70E740481C1C}">
+                <a14:useLocalDpi xmlns:a14="http://schemas.microsoft.com/office/drawing/2010/main" val="0"/>
+              </a:ext>
+            </a:extLst>
+          </a:blip>
+          <a:srcRect/>
+          <a:stretch>
+            <a:fillRect/>
+          </a:stretch>
+        </p:blipFill>
+        <p:spPr bwMode="auto">
+          <a:xfrm>
+            <a:off x="0" y="6362700"/>
+            <a:ext cx="12192000" cy="495300"/>
+          </a:xfrm>
+          <a:prstGeom prst="rect">
+            <a:avLst/>
+          </a:prstGeom>
+          <a:noFill/>
+          <a:extLst>
+            <a:ext uri="{909E8E84-426E-40DD-AFC4-6F175D3DCCD1}">
+              <a14:hiddenFill xmlns:a14="http://schemas.microsoft.com/office/drawing/2010/main">
+                <a:solidFill>
+                  <a:srgbClr val="FFFFFF"/>
+                </a:solidFill>
+              </a14:hiddenFill>
+            </a:ext>
+          </a:extLst>
+        </p:spPr>
+      </p:pic>
     </p:spTree>
     <p:extLst>
       <p:ext uri="{BB962C8B-B14F-4D97-AF65-F5344CB8AC3E}">
@@ -8097,6 +8458,53 @@
           </a:p>
         </p:txBody>
       </p:sp>
+      <p:pic>
+        <p:nvPicPr>
+          <p:cNvPr id="4" name="Picture 2">
+            <a:extLst>
+              <a:ext uri="{FF2B5EF4-FFF2-40B4-BE49-F238E27FC236}">
+                <a16:creationId xmlns:a16="http://schemas.microsoft.com/office/drawing/2014/main" id="{CBCC48FF-FEDA-4F5A-A959-AABE30ACCA2C}"/>
+              </a:ext>
+            </a:extLst>
+          </p:cNvPr>
+          <p:cNvPicPr>
+            <a:picLocks noChangeAspect="1" noChangeArrowheads="1"/>
+          </p:cNvPicPr>
+          <p:nvPr/>
+        </p:nvPicPr>
+        <p:blipFill>
+          <a:blip r:embed="rId2">
+            <a:extLst>
+              <a:ext uri="{28A0092B-C50C-407E-A947-70E740481C1C}">
+                <a14:useLocalDpi xmlns:a14="http://schemas.microsoft.com/office/drawing/2010/main" val="0"/>
+              </a:ext>
+            </a:extLst>
+          </a:blip>
+          <a:srcRect/>
+          <a:stretch>
+            <a:fillRect/>
+          </a:stretch>
+        </p:blipFill>
+        <p:spPr bwMode="auto">
+          <a:xfrm>
+            <a:off x="0" y="6353369"/>
+            <a:ext cx="12192000" cy="495300"/>
+          </a:xfrm>
+          <a:prstGeom prst="rect">
+            <a:avLst/>
+          </a:prstGeom>
+          <a:noFill/>
+          <a:extLst>
+            <a:ext uri="{909E8E84-426E-40DD-AFC4-6F175D3DCCD1}">
+              <a14:hiddenFill xmlns:a14="http://schemas.microsoft.com/office/drawing/2010/main">
+                <a:solidFill>
+                  <a:srgbClr val="FFFFFF"/>
+                </a:solidFill>
+              </a14:hiddenFill>
+            </a:ext>
+          </a:extLst>
+        </p:spPr>
+      </p:pic>
     </p:spTree>
     <p:extLst>
       <p:ext uri="{BB962C8B-B14F-4D97-AF65-F5344CB8AC3E}">
@@ -8403,6 +8811,53 @@
           </a:p>
         </p:txBody>
       </p:sp>
+      <p:pic>
+        <p:nvPicPr>
+          <p:cNvPr id="5" name="Picture 2">
+            <a:extLst>
+              <a:ext uri="{FF2B5EF4-FFF2-40B4-BE49-F238E27FC236}">
+                <a16:creationId xmlns:a16="http://schemas.microsoft.com/office/drawing/2014/main" id="{A860E365-2610-48FC-A5CD-BCB977EDE20F}"/>
+              </a:ext>
+            </a:extLst>
+          </p:cNvPr>
+          <p:cNvPicPr>
+            <a:picLocks noChangeAspect="1" noChangeArrowheads="1"/>
+          </p:cNvPicPr>
+          <p:nvPr/>
+        </p:nvPicPr>
+        <p:blipFill>
+          <a:blip r:embed="rId2">
+            <a:extLst>
+              <a:ext uri="{28A0092B-C50C-407E-A947-70E740481C1C}">
+                <a14:useLocalDpi xmlns:a14="http://schemas.microsoft.com/office/drawing/2010/main" val="0"/>
+              </a:ext>
+            </a:extLst>
+          </a:blip>
+          <a:srcRect/>
+          <a:stretch>
+            <a:fillRect/>
+          </a:stretch>
+        </p:blipFill>
+        <p:spPr bwMode="auto">
+          <a:xfrm>
+            <a:off x="0" y="6362700"/>
+            <a:ext cx="12192000" cy="495300"/>
+          </a:xfrm>
+          <a:prstGeom prst="rect">
+            <a:avLst/>
+          </a:prstGeom>
+          <a:noFill/>
+          <a:extLst>
+            <a:ext uri="{909E8E84-426E-40DD-AFC4-6F175D3DCCD1}">
+              <a14:hiddenFill xmlns:a14="http://schemas.microsoft.com/office/drawing/2010/main">
+                <a:solidFill>
+                  <a:srgbClr val="FFFFFF"/>
+                </a:solidFill>
+              </a14:hiddenFill>
+            </a:ext>
+          </a:extLst>
+        </p:spPr>
+      </p:pic>
     </p:spTree>
     <p:extLst>
       <p:ext uri="{BB962C8B-B14F-4D97-AF65-F5344CB8AC3E}">
@@ -8635,310 +9090,57 @@
           </a:p>
         </p:txBody>
       </p:sp>
-    </p:spTree>
-    <p:extLst>
-      <p:ext uri="{BB962C8B-B14F-4D97-AF65-F5344CB8AC3E}">
-        <p14:creationId xmlns:p14="http://schemas.microsoft.com/office/powerpoint/2010/main" val="2045622100"/>
-      </p:ext>
-    </p:extLst>
-  </p:cSld>
-  <p:clrMapOvr>
-    <a:masterClrMapping/>
-  </p:clrMapOvr>
-</p:sld>
-</file>
-
-<file path=ppt/slides/slide15.xml><?xml version="1.0" encoding="utf-8"?>
-<p:sld xmlns:a="http://schemas.openxmlformats.org/drawingml/2006/main" xmlns:r="http://schemas.openxmlformats.org/officeDocument/2006/relationships" xmlns:p="http://schemas.openxmlformats.org/presentationml/2006/main">
-  <p:cSld>
-    <p:bg>
-      <p:bgPr>
-        <a:solidFill>
-          <a:schemeClr val="bg1"/>
-        </a:solidFill>
-        <a:effectLst/>
-      </p:bgPr>
-    </p:bg>
-    <p:spTree>
-      <p:nvGrpSpPr>
-        <p:cNvPr id="1" name=""/>
-        <p:cNvGrpSpPr/>
-        <p:nvPr/>
-      </p:nvGrpSpPr>
-      <p:grpSpPr>
-        <a:xfrm>
-          <a:off x="0" y="0"/>
-          <a:ext cx="0" cy="0"/>
-          <a:chOff x="0" y="0"/>
-          <a:chExt cx="0" cy="0"/>
-        </a:xfrm>
-      </p:grpSpPr>
-      <p:sp>
-        <p:nvSpPr>
-          <p:cNvPr id="10" name="Rectangle 9">
+      <p:pic>
+        <p:nvPicPr>
+          <p:cNvPr id="6" name="Picture 2">
             <a:extLst>
               <a:ext uri="{FF2B5EF4-FFF2-40B4-BE49-F238E27FC236}">
-                <a16:creationId xmlns:a16="http://schemas.microsoft.com/office/drawing/2014/main" id="{81AEB8A9-B768-4E30-BA55-D919E6687343}"/>
-              </a:ext>
-              <a:ext uri="{C183D7F6-B498-43B3-948B-1728B52AA6E4}">
-                <adec:decorative xmlns:adec="http://schemas.microsoft.com/office/drawing/2017/decorative" val="1"/>
+                <a16:creationId xmlns:a16="http://schemas.microsoft.com/office/drawing/2014/main" id="{7C38C96C-621E-4ECE-8366-7BC29DE1E4C7}"/>
               </a:ext>
             </a:extLst>
           </p:cNvPr>
-          <p:cNvSpPr>
-            <a:spLocks noGrp="1" noRot="1" noChangeAspect="1" noMove="1" noResize="1" noEditPoints="1" noAdjustHandles="1" noChangeArrowheads="1" noChangeShapeType="1" noTextEdit="1"/>
-          </p:cNvSpPr>
-          <p:nvPr>
-            <p:extLst>
-              <p:ext uri="{386F3935-93C4-4BCD-93E2-E3B085C9AB24}">
-                <p16:designElem xmlns:p16="http://schemas.microsoft.com/office/powerpoint/2015/main" val="1"/>
-              </p:ext>
-            </p:extLst>
-          </p:nvPr>
-        </p:nvSpPr>
-        <p:spPr>
+          <p:cNvPicPr>
+            <a:picLocks noChangeAspect="1" noChangeArrowheads="1"/>
+          </p:cNvPicPr>
+          <p:nvPr/>
+        </p:nvPicPr>
+        <p:blipFill>
+          <a:blip r:embed="rId3">
+            <a:extLst>
+              <a:ext uri="{28A0092B-C50C-407E-A947-70E740481C1C}">
+                <a14:useLocalDpi xmlns:a14="http://schemas.microsoft.com/office/drawing/2010/main" val="0"/>
+              </a:ext>
+            </a:extLst>
+          </a:blip>
+          <a:srcRect/>
+          <a:stretch>
+            <a:fillRect/>
+          </a:stretch>
+        </p:blipFill>
+        <p:spPr bwMode="auto">
           <a:xfrm>
-            <a:off x="-10001" y="-2"/>
-            <a:ext cx="4069936" cy="6858002"/>
+            <a:off x="0" y="6362700"/>
+            <a:ext cx="12192000" cy="495300"/>
           </a:xfrm>
           <a:prstGeom prst="rect">
             <a:avLst/>
           </a:prstGeom>
-          <a:solidFill>
-            <a:schemeClr val="accent1"/>
-          </a:solidFill>
-          <a:ln>
-            <a:noFill/>
-          </a:ln>
-        </p:spPr>
-        <p:style>
-          <a:lnRef idx="2">
-            <a:schemeClr val="accent1">
-              <a:shade val="50000"/>
-            </a:schemeClr>
-          </a:lnRef>
-          <a:fillRef idx="1">
-            <a:schemeClr val="accent1"/>
-          </a:fillRef>
-          <a:effectRef idx="0">
-            <a:schemeClr val="accent1"/>
-          </a:effectRef>
-          <a:fontRef idx="minor">
-            <a:schemeClr val="lt1"/>
-          </a:fontRef>
-        </p:style>
-        <p:txBody>
-          <a:bodyPr rtlCol="0" anchor="ctr"/>
-          <a:lstStyle/>
-          <a:p>
-            <a:pPr marL="0" marR="0" lvl="0" indent="0" algn="ctr" defTabSz="914400" rtl="0" eaLnBrk="1" fontAlgn="auto" latinLnBrk="0" hangingPunct="1">
-              <a:lnSpc>
-                <a:spcPct val="100000"/>
-              </a:lnSpc>
-              <a:spcBef>
-                <a:spcPts val="0"/>
-              </a:spcBef>
-              <a:spcAft>
-                <a:spcPts val="0"/>
-              </a:spcAft>
-              <a:buClrTx/>
-              <a:buSzTx/>
-              <a:buFontTx/>
-              <a:buNone/>
-              <a:tabLst/>
-              <a:defRPr/>
-            </a:pPr>
-            <a:endParaRPr kumimoji="0" lang="en-US" sz="1800" b="0" i="0" u="none" strike="noStrike" kern="1200" cap="none" spc="0" normalizeH="0" baseline="0" noProof="0">
-              <a:ln>
-                <a:noFill/>
-              </a:ln>
-              <a:solidFill>
-                <a:prstClr val="white"/>
-              </a:solidFill>
-              <a:effectLst/>
-              <a:uLnTx/>
-              <a:uFillTx/>
-              <a:latin typeface="Calibri" panose="020F0502020204030204"/>
-              <a:ea typeface="+mn-ea"/>
-              <a:cs typeface="+mn-cs"/>
-            </a:endParaRPr>
-          </a:p>
-        </p:txBody>
-      </p:sp>
-      <p:sp>
-        <p:nvSpPr>
-          <p:cNvPr id="2" name="TextBox 1">
-            <a:extLst>
-              <a:ext uri="{FF2B5EF4-FFF2-40B4-BE49-F238E27FC236}">
-                <a16:creationId xmlns:a16="http://schemas.microsoft.com/office/drawing/2014/main" id="{621FFF3F-8E7B-4A53-91BB-435B0D3BCC40}"/>
-              </a:ext>
-            </a:extLst>
-          </p:cNvPr>
-          <p:cNvSpPr txBox="1"/>
-          <p:nvPr/>
-        </p:nvSpPr>
-        <p:spPr>
-          <a:xfrm>
-            <a:off x="643467" y="640080"/>
-            <a:ext cx="3096427" cy="5613236"/>
-          </a:xfrm>
-          <a:prstGeom prst="rect">
-            <a:avLst/>
-          </a:prstGeom>
-        </p:spPr>
-        <p:txBody>
-          <a:bodyPr vert="horz" lIns="91440" tIns="45720" rIns="91440" bIns="45720" rtlCol="0" anchor="ctr">
-            <a:normAutofit/>
-          </a:bodyPr>
-          <a:lstStyle/>
-          <a:p>
-            <a:pPr>
-              <a:lnSpc>
-                <a:spcPct val="90000"/>
-              </a:lnSpc>
-              <a:spcBef>
-                <a:spcPct val="0"/>
-              </a:spcBef>
-              <a:spcAft>
-                <a:spcPts val="600"/>
-              </a:spcAft>
-            </a:pPr>
-            <a:r>
-              <a:rPr lang="en-US" sz="4400" kern="1200">
+          <a:noFill/>
+          <a:extLst>
+            <a:ext uri="{909E8E84-426E-40DD-AFC4-6F175D3DCCD1}">
+              <a14:hiddenFill xmlns:a14="http://schemas.microsoft.com/office/drawing/2010/main">
                 <a:solidFill>
                   <a:srgbClr val="FFFFFF"/>
                 </a:solidFill>
-                <a:latin typeface="+mj-lt"/>
-                <a:ea typeface="+mj-ea"/>
-                <a:cs typeface="+mj-cs"/>
-              </a:rPr>
-              <a:t>Next Steps</a:t>
-            </a:r>
-          </a:p>
-        </p:txBody>
-      </p:sp>
-      <p:sp>
-        <p:nvSpPr>
-          <p:cNvPr id="4" name="TextBox 3">
-            <a:extLst>
-              <a:ext uri="{FF2B5EF4-FFF2-40B4-BE49-F238E27FC236}">
-                <a16:creationId xmlns:a16="http://schemas.microsoft.com/office/drawing/2014/main" id="{45B2AD6B-C9C7-425B-956F-EBFC06965573}"/>
-              </a:ext>
-            </a:extLst>
-          </p:cNvPr>
-          <p:cNvSpPr txBox="1"/>
-          <p:nvPr/>
-        </p:nvSpPr>
-        <p:spPr>
-          <a:xfrm>
-            <a:off x="4699818" y="640082"/>
-            <a:ext cx="6848715" cy="2484884"/>
-          </a:xfrm>
-          <a:prstGeom prst="rect">
-            <a:avLst/>
-          </a:prstGeom>
-        </p:spPr>
-        <p:txBody>
-          <a:bodyPr vert="horz" lIns="91440" tIns="45720" rIns="91440" bIns="45720" rtlCol="0" anchor="ctr">
-            <a:normAutofit/>
-          </a:bodyPr>
-          <a:lstStyle/>
-          <a:p>
-            <a:pPr indent="-228600">
-              <a:lnSpc>
-                <a:spcPct val="90000"/>
-              </a:lnSpc>
-              <a:spcAft>
-                <a:spcPts val="600"/>
-              </a:spcAft>
-              <a:buFont typeface="Arial" panose="020B0604020202020204" pitchFamily="34" charset="0"/>
-              <a:buChar char="•"/>
-            </a:pPr>
-            <a:r>
-              <a:rPr lang="en-US" sz="2800" b="0" dirty="0">
-                <a:effectLst/>
-              </a:rPr>
-              <a:t>Interactive Visualizations</a:t>
-            </a:r>
-          </a:p>
-          <a:p>
-            <a:pPr lvl="1" indent="-228600">
-              <a:lnSpc>
-                <a:spcPct val="90000"/>
-              </a:lnSpc>
-              <a:spcAft>
-                <a:spcPts val="600"/>
-              </a:spcAft>
-              <a:buFont typeface="Arial" panose="020B0604020202020204" pitchFamily="34" charset="0"/>
-              <a:buChar char="•"/>
-            </a:pPr>
-            <a:r>
-              <a:rPr lang="en-US" sz="2400" b="0" dirty="0" err="1">
-                <a:effectLst/>
-              </a:rPr>
-              <a:t>Dash.jl</a:t>
-            </a:r>
-            <a:endParaRPr lang="en-US" sz="2400" dirty="0"/>
-          </a:p>
-          <a:p>
-            <a:pPr lvl="1" indent="-228600">
-              <a:lnSpc>
-                <a:spcPct val="90000"/>
-              </a:lnSpc>
-              <a:spcAft>
-                <a:spcPts val="600"/>
-              </a:spcAft>
-              <a:buFont typeface="Arial" panose="020B0604020202020204" pitchFamily="34" charset="0"/>
-              <a:buChar char="•"/>
-            </a:pPr>
-            <a:r>
-              <a:rPr lang="en-US" sz="2400" dirty="0" err="1"/>
-              <a:t>Stipple.jl</a:t>
-            </a:r>
-            <a:endParaRPr lang="en-US" sz="2400" dirty="0"/>
-          </a:p>
-        </p:txBody>
-      </p:sp>
-      <p:pic>
-        <p:nvPicPr>
-          <p:cNvPr id="5" name="Picture 4" descr="Shape&#10;&#10;Description automatically generated with medium confidence">
-            <a:extLst>
-              <a:ext uri="{FF2B5EF4-FFF2-40B4-BE49-F238E27FC236}">
-                <a16:creationId xmlns:a16="http://schemas.microsoft.com/office/drawing/2014/main" id="{A8B86BB7-ED80-4D2E-B438-8C3FAA5A07DD}"/>
-              </a:ext>
-            </a:extLst>
-          </p:cNvPr>
-          <p:cNvPicPr>
-            <a:picLocks noChangeAspect="1"/>
-          </p:cNvPicPr>
-          <p:nvPr/>
-        </p:nvPicPr>
-        <p:blipFill>
-          <a:blip r:embed="rId2">
-            <a:extLst>
-              <a:ext uri="{28A0092B-C50C-407E-A947-70E740481C1C}">
-                <a14:useLocalDpi xmlns:a14="http://schemas.microsoft.com/office/drawing/2010/main" val="0"/>
-              </a:ext>
-            </a:extLst>
-          </a:blip>
-          <a:stretch>
-            <a:fillRect/>
-          </a:stretch>
-        </p:blipFill>
-        <p:spPr>
-          <a:xfrm>
-            <a:off x="4654297" y="4165181"/>
-            <a:ext cx="6894236" cy="1051369"/>
-          </a:xfrm>
-          <a:prstGeom prst="rect">
-            <a:avLst/>
-          </a:prstGeom>
+              </a14:hiddenFill>
+            </a:ext>
+          </a:extLst>
         </p:spPr>
       </p:pic>
     </p:spTree>
     <p:extLst>
       <p:ext uri="{BB962C8B-B14F-4D97-AF65-F5344CB8AC3E}">
-        <p14:creationId xmlns:p14="http://schemas.microsoft.com/office/powerpoint/2010/main" val="2749748743"/>
+        <p14:creationId xmlns:p14="http://schemas.microsoft.com/office/powerpoint/2010/main" val="2045622100"/>
       </p:ext>
     </p:extLst>
   </p:cSld>
@@ -9333,6 +9535,53 @@
           </a:p>
         </p:txBody>
       </p:sp>
+      <p:pic>
+        <p:nvPicPr>
+          <p:cNvPr id="4098" name="Picture 2">
+            <a:extLst>
+              <a:ext uri="{FF2B5EF4-FFF2-40B4-BE49-F238E27FC236}">
+                <a16:creationId xmlns:a16="http://schemas.microsoft.com/office/drawing/2014/main" id="{6EF55918-A48E-4B3E-B94F-026A3E33EEB1}"/>
+              </a:ext>
+            </a:extLst>
+          </p:cNvPr>
+          <p:cNvPicPr>
+            <a:picLocks noChangeAspect="1" noChangeArrowheads="1"/>
+          </p:cNvPicPr>
+          <p:nvPr/>
+        </p:nvPicPr>
+        <p:blipFill>
+          <a:blip r:embed="rId4">
+            <a:extLst>
+              <a:ext uri="{28A0092B-C50C-407E-A947-70E740481C1C}">
+                <a14:useLocalDpi xmlns:a14="http://schemas.microsoft.com/office/drawing/2010/main" val="0"/>
+              </a:ext>
+            </a:extLst>
+          </a:blip>
+          <a:srcRect/>
+          <a:stretch>
+            <a:fillRect/>
+          </a:stretch>
+        </p:blipFill>
+        <p:spPr bwMode="auto">
+          <a:xfrm>
+            <a:off x="0" y="6362700"/>
+            <a:ext cx="12192000" cy="495300"/>
+          </a:xfrm>
+          <a:prstGeom prst="rect">
+            <a:avLst/>
+          </a:prstGeom>
+          <a:noFill/>
+          <a:extLst>
+            <a:ext uri="{909E8E84-426E-40DD-AFC4-6F175D3DCCD1}">
+              <a14:hiddenFill xmlns:a14="http://schemas.microsoft.com/office/drawing/2010/main">
+                <a:solidFill>
+                  <a:srgbClr val="FFFFFF"/>
+                </a:solidFill>
+              </a14:hiddenFill>
+            </a:ext>
+          </a:extLst>
+        </p:spPr>
+      </p:pic>
     </p:spTree>
     <p:extLst>
       <p:ext uri="{BB962C8B-B14F-4D97-AF65-F5344CB8AC3E}">
@@ -10211,6 +10460,53 @@
           </a:graphicData>
         </a:graphic>
       </p:graphicFrame>
+      <p:pic>
+        <p:nvPicPr>
+          <p:cNvPr id="5" name="Picture 2">
+            <a:extLst>
+              <a:ext uri="{FF2B5EF4-FFF2-40B4-BE49-F238E27FC236}">
+                <a16:creationId xmlns:a16="http://schemas.microsoft.com/office/drawing/2014/main" id="{4298CEF2-A087-46FC-BDBA-A83E30E39AA5}"/>
+              </a:ext>
+            </a:extLst>
+          </p:cNvPr>
+          <p:cNvPicPr>
+            <a:picLocks noChangeAspect="1" noChangeArrowheads="1"/>
+          </p:cNvPicPr>
+          <p:nvPr/>
+        </p:nvPicPr>
+        <p:blipFill>
+          <a:blip r:embed="rId10">
+            <a:extLst>
+              <a:ext uri="{28A0092B-C50C-407E-A947-70E740481C1C}">
+                <a14:useLocalDpi xmlns:a14="http://schemas.microsoft.com/office/drawing/2010/main" val="0"/>
+              </a:ext>
+            </a:extLst>
+          </a:blip>
+          <a:srcRect/>
+          <a:stretch>
+            <a:fillRect/>
+          </a:stretch>
+        </p:blipFill>
+        <p:spPr bwMode="auto">
+          <a:xfrm>
+            <a:off x="0" y="6372225"/>
+            <a:ext cx="12192000" cy="495300"/>
+          </a:xfrm>
+          <a:prstGeom prst="rect">
+            <a:avLst/>
+          </a:prstGeom>
+          <a:noFill/>
+          <a:extLst>
+            <a:ext uri="{909E8E84-426E-40DD-AFC4-6F175D3DCCD1}">
+              <a14:hiddenFill xmlns:a14="http://schemas.microsoft.com/office/drawing/2010/main">
+                <a:solidFill>
+                  <a:srgbClr val="FFFFFF"/>
+                </a:solidFill>
+              </a14:hiddenFill>
+            </a:ext>
+          </a:extLst>
+        </p:spPr>
+      </p:pic>
     </p:spTree>
     <p:extLst>
       <p:ext uri="{BB962C8B-B14F-4D97-AF65-F5344CB8AC3E}">
@@ -10504,6 +10800,53 @@
           </a:prstGeom>
         </p:spPr>
       </p:pic>
+      <p:pic>
+        <p:nvPicPr>
+          <p:cNvPr id="5" name="Picture 2">
+            <a:extLst>
+              <a:ext uri="{FF2B5EF4-FFF2-40B4-BE49-F238E27FC236}">
+                <a16:creationId xmlns:a16="http://schemas.microsoft.com/office/drawing/2014/main" id="{CD3F4D3C-B1F2-405E-A2AE-10A64475921A}"/>
+              </a:ext>
+            </a:extLst>
+          </p:cNvPr>
+          <p:cNvPicPr>
+            <a:picLocks noChangeAspect="1" noChangeArrowheads="1"/>
+          </p:cNvPicPr>
+          <p:nvPr/>
+        </p:nvPicPr>
+        <p:blipFill>
+          <a:blip r:embed="rId3">
+            <a:extLst>
+              <a:ext uri="{28A0092B-C50C-407E-A947-70E740481C1C}">
+                <a14:useLocalDpi xmlns:a14="http://schemas.microsoft.com/office/drawing/2010/main" val="0"/>
+              </a:ext>
+            </a:extLst>
+          </a:blip>
+          <a:srcRect/>
+          <a:stretch>
+            <a:fillRect/>
+          </a:stretch>
+        </p:blipFill>
+        <p:spPr bwMode="auto">
+          <a:xfrm>
+            <a:off x="0" y="6362700"/>
+            <a:ext cx="12192000" cy="495300"/>
+          </a:xfrm>
+          <a:prstGeom prst="rect">
+            <a:avLst/>
+          </a:prstGeom>
+          <a:noFill/>
+          <a:extLst>
+            <a:ext uri="{909E8E84-426E-40DD-AFC4-6F175D3DCCD1}">
+              <a14:hiddenFill xmlns:a14="http://schemas.microsoft.com/office/drawing/2010/main">
+                <a:solidFill>
+                  <a:srgbClr val="FFFFFF"/>
+                </a:solidFill>
+              </a14:hiddenFill>
+            </a:ext>
+          </a:extLst>
+        </p:spPr>
+      </p:pic>
     </p:spTree>
     <p:extLst>
       <p:ext uri="{BB962C8B-B14F-4D97-AF65-F5344CB8AC3E}">
@@ -11127,6 +11470,53 @@
           </a:p>
         </p:txBody>
       </p:sp>
+      <p:pic>
+        <p:nvPicPr>
+          <p:cNvPr id="7" name="Picture 2">
+            <a:extLst>
+              <a:ext uri="{FF2B5EF4-FFF2-40B4-BE49-F238E27FC236}">
+                <a16:creationId xmlns:a16="http://schemas.microsoft.com/office/drawing/2014/main" id="{5ABD7129-1242-480D-8DA9-651EA1CBBB1E}"/>
+              </a:ext>
+            </a:extLst>
+          </p:cNvPr>
+          <p:cNvPicPr>
+            <a:picLocks noChangeAspect="1" noChangeArrowheads="1"/>
+          </p:cNvPicPr>
+          <p:nvPr/>
+        </p:nvPicPr>
+        <p:blipFill>
+          <a:blip r:embed="rId4">
+            <a:extLst>
+              <a:ext uri="{28A0092B-C50C-407E-A947-70E740481C1C}">
+                <a14:useLocalDpi xmlns:a14="http://schemas.microsoft.com/office/drawing/2010/main" val="0"/>
+              </a:ext>
+            </a:extLst>
+          </a:blip>
+          <a:srcRect/>
+          <a:stretch>
+            <a:fillRect/>
+          </a:stretch>
+        </p:blipFill>
+        <p:spPr bwMode="auto">
+          <a:xfrm>
+            <a:off x="0" y="6362700"/>
+            <a:ext cx="12192000" cy="495300"/>
+          </a:xfrm>
+          <a:prstGeom prst="rect">
+            <a:avLst/>
+          </a:prstGeom>
+          <a:noFill/>
+          <a:extLst>
+            <a:ext uri="{909E8E84-426E-40DD-AFC4-6F175D3DCCD1}">
+              <a14:hiddenFill xmlns:a14="http://schemas.microsoft.com/office/drawing/2010/main">
+                <a:solidFill>
+                  <a:srgbClr val="FFFFFF"/>
+                </a:solidFill>
+              </a14:hiddenFill>
+            </a:ext>
+          </a:extLst>
+        </p:spPr>
+      </p:pic>
     </p:spTree>
     <p:extLst>
       <p:ext uri="{BB962C8B-B14F-4D97-AF65-F5344CB8AC3E}">
@@ -11308,7 +11698,7 @@
         <p:spPr>
           <a:xfrm>
             <a:off x="1586592" y="2927042"/>
-            <a:ext cx="9018814" cy="3139321"/>
+            <a:ext cx="9018814" cy="2585323"/>
           </a:xfrm>
           <a:prstGeom prst="rect">
             <a:avLst/>
@@ -11325,16 +11715,6 @@
           </a:bodyPr>
           <a:lstStyle/>
           <a:p>
-            <a:pPr algn="ctr"/>
-            <a:endParaRPr lang="en-US" b="0" dirty="0">
-              <a:solidFill>
-                <a:srgbClr val="56B6C2"/>
-              </a:solidFill>
-              <a:effectLst/>
-              <a:latin typeface="Consolas" panose="020B0609020204030204" pitchFamily="49" charset="0"/>
-            </a:endParaRPr>
-          </a:p>
-          <a:p>
             <a:r>
               <a:rPr lang="en-CA" b="0" dirty="0" err="1">
                 <a:solidFill>
@@ -11973,18 +12353,55 @@
               <a:latin typeface="Consolas" panose="020B0609020204030204" pitchFamily="49" charset="0"/>
             </a:endParaRPr>
           </a:p>
-          <a:p>
-            <a:pPr algn="ctr"/>
-            <a:endParaRPr lang="en-US" b="0" dirty="0">
-              <a:solidFill>
-                <a:srgbClr val="ABB2BF"/>
-              </a:solidFill>
-              <a:effectLst/>
-              <a:latin typeface="Consolas" panose="020B0609020204030204" pitchFamily="49" charset="0"/>
-            </a:endParaRPr>
-          </a:p>
         </p:txBody>
       </p:sp>
+      <p:pic>
+        <p:nvPicPr>
+          <p:cNvPr id="6" name="Picture 2">
+            <a:extLst>
+              <a:ext uri="{FF2B5EF4-FFF2-40B4-BE49-F238E27FC236}">
+                <a16:creationId xmlns:a16="http://schemas.microsoft.com/office/drawing/2014/main" id="{4B3BD862-77ED-47DF-9767-7A8EEE264111}"/>
+              </a:ext>
+            </a:extLst>
+          </p:cNvPr>
+          <p:cNvPicPr>
+            <a:picLocks noChangeAspect="1" noChangeArrowheads="1"/>
+          </p:cNvPicPr>
+          <p:nvPr/>
+        </p:nvPicPr>
+        <p:blipFill>
+          <a:blip r:embed="rId4">
+            <a:extLst>
+              <a:ext uri="{28A0092B-C50C-407E-A947-70E740481C1C}">
+                <a14:useLocalDpi xmlns:a14="http://schemas.microsoft.com/office/drawing/2010/main" val="0"/>
+              </a:ext>
+            </a:extLst>
+          </a:blip>
+          <a:srcRect/>
+          <a:stretch>
+            <a:fillRect/>
+          </a:stretch>
+        </p:blipFill>
+        <p:spPr bwMode="auto">
+          <a:xfrm>
+            <a:off x="0" y="6362700"/>
+            <a:ext cx="12192000" cy="495300"/>
+          </a:xfrm>
+          <a:prstGeom prst="rect">
+            <a:avLst/>
+          </a:prstGeom>
+          <a:noFill/>
+          <a:extLst>
+            <a:ext uri="{909E8E84-426E-40DD-AFC4-6F175D3DCCD1}">
+              <a14:hiddenFill xmlns:a14="http://schemas.microsoft.com/office/drawing/2010/main">
+                <a:solidFill>
+                  <a:srgbClr val="FFFFFF"/>
+                </a:solidFill>
+              </a14:hiddenFill>
+            </a:ext>
+          </a:extLst>
+        </p:spPr>
+      </p:pic>
     </p:spTree>
     <p:extLst>
       <p:ext uri="{BB962C8B-B14F-4D97-AF65-F5344CB8AC3E}">
@@ -12166,7 +12583,7 @@
         <p:spPr>
           <a:xfrm>
             <a:off x="1586593" y="2864355"/>
-            <a:ext cx="9018814" cy="3416320"/>
+            <a:ext cx="9018814" cy="2862322"/>
           </a:xfrm>
           <a:prstGeom prst="rect">
             <a:avLst/>
@@ -12183,15 +12600,6 @@
           </a:bodyPr>
           <a:lstStyle/>
           <a:p>
-            <a:endParaRPr lang="en-CA" b="0" dirty="0">
-              <a:solidFill>
-                <a:srgbClr val="C678DD"/>
-              </a:solidFill>
-              <a:effectLst/>
-              <a:latin typeface="Consolas" panose="020B0609020204030204" pitchFamily="49" charset="0"/>
-            </a:endParaRPr>
-          </a:p>
-          <a:p>
             <a:r>
               <a:rPr lang="en-CA" b="0" dirty="0">
                 <a:solidFill>
@@ -12646,17 +13054,55 @@
               <a:latin typeface="Consolas" panose="020B0609020204030204" pitchFamily="49" charset="0"/>
             </a:endParaRPr>
           </a:p>
-          <a:p>
-            <a:endParaRPr lang="en-US" b="0" dirty="0">
-              <a:solidFill>
-                <a:srgbClr val="ABB2BF"/>
-              </a:solidFill>
-              <a:effectLst/>
-              <a:latin typeface="Consolas" panose="020B0609020204030204" pitchFamily="49" charset="0"/>
-            </a:endParaRPr>
-          </a:p>
         </p:txBody>
       </p:sp>
+      <p:pic>
+        <p:nvPicPr>
+          <p:cNvPr id="6" name="Picture 2">
+            <a:extLst>
+              <a:ext uri="{FF2B5EF4-FFF2-40B4-BE49-F238E27FC236}">
+                <a16:creationId xmlns:a16="http://schemas.microsoft.com/office/drawing/2014/main" id="{79E2FED7-D7E5-4D54-BB3E-3B5423A3ADC8}"/>
+              </a:ext>
+            </a:extLst>
+          </p:cNvPr>
+          <p:cNvPicPr>
+            <a:picLocks noChangeAspect="1" noChangeArrowheads="1"/>
+          </p:cNvPicPr>
+          <p:nvPr/>
+        </p:nvPicPr>
+        <p:blipFill>
+          <a:blip r:embed="rId4">
+            <a:extLst>
+              <a:ext uri="{28A0092B-C50C-407E-A947-70E740481C1C}">
+                <a14:useLocalDpi xmlns:a14="http://schemas.microsoft.com/office/drawing/2010/main" val="0"/>
+              </a:ext>
+            </a:extLst>
+          </a:blip>
+          <a:srcRect/>
+          <a:stretch>
+            <a:fillRect/>
+          </a:stretch>
+        </p:blipFill>
+        <p:spPr bwMode="auto">
+          <a:xfrm>
+            <a:off x="0" y="6362700"/>
+            <a:ext cx="12192000" cy="495300"/>
+          </a:xfrm>
+          <a:prstGeom prst="rect">
+            <a:avLst/>
+          </a:prstGeom>
+          <a:noFill/>
+          <a:extLst>
+            <a:ext uri="{909E8E84-426E-40DD-AFC4-6F175D3DCCD1}">
+              <a14:hiddenFill xmlns:a14="http://schemas.microsoft.com/office/drawing/2010/main">
+                <a:solidFill>
+                  <a:srgbClr val="FFFFFF"/>
+                </a:solidFill>
+              </a14:hiddenFill>
+            </a:ext>
+          </a:extLst>
+        </p:spPr>
+      </p:pic>
     </p:spTree>
     <p:extLst>
       <p:ext uri="{BB962C8B-B14F-4D97-AF65-F5344CB8AC3E}">
@@ -12886,6 +13332,53 @@
           </a:p>
         </p:txBody>
       </p:sp>
+      <p:pic>
+        <p:nvPicPr>
+          <p:cNvPr id="6" name="Picture 2">
+            <a:extLst>
+              <a:ext uri="{FF2B5EF4-FFF2-40B4-BE49-F238E27FC236}">
+                <a16:creationId xmlns:a16="http://schemas.microsoft.com/office/drawing/2014/main" id="{08D9ADD5-772E-432F-8347-0A01ADFFD4C0}"/>
+              </a:ext>
+            </a:extLst>
+          </p:cNvPr>
+          <p:cNvPicPr>
+            <a:picLocks noChangeAspect="1" noChangeArrowheads="1"/>
+          </p:cNvPicPr>
+          <p:nvPr/>
+        </p:nvPicPr>
+        <p:blipFill>
+          <a:blip r:embed="rId4">
+            <a:extLst>
+              <a:ext uri="{28A0092B-C50C-407E-A947-70E740481C1C}">
+                <a14:useLocalDpi xmlns:a14="http://schemas.microsoft.com/office/drawing/2010/main" val="0"/>
+              </a:ext>
+            </a:extLst>
+          </a:blip>
+          <a:srcRect/>
+          <a:stretch>
+            <a:fillRect/>
+          </a:stretch>
+        </p:blipFill>
+        <p:spPr bwMode="auto">
+          <a:xfrm>
+            <a:off x="0" y="6362700"/>
+            <a:ext cx="12192000" cy="495300"/>
+          </a:xfrm>
+          <a:prstGeom prst="rect">
+            <a:avLst/>
+          </a:prstGeom>
+          <a:noFill/>
+          <a:extLst>
+            <a:ext uri="{909E8E84-426E-40DD-AFC4-6F175D3DCCD1}">
+              <a14:hiddenFill xmlns:a14="http://schemas.microsoft.com/office/drawing/2010/main">
+                <a:solidFill>
+                  <a:srgbClr val="FFFFFF"/>
+                </a:solidFill>
+              </a14:hiddenFill>
+            </a:ext>
+          </a:extLst>
+        </p:spPr>
+      </p:pic>
     </p:spTree>
     <p:extLst>
       <p:ext uri="{BB962C8B-B14F-4D97-AF65-F5344CB8AC3E}">
@@ -13588,8 +14081,8 @@
         </p:nvSpPr>
         <p:spPr>
           <a:xfrm>
-            <a:off x="8259147" y="2721035"/>
-            <a:ext cx="2489718" cy="583163"/>
+            <a:off x="8277809" y="2544255"/>
+            <a:ext cx="2489718" cy="495397"/>
           </a:xfrm>
           <a:prstGeom prst="rect">
             <a:avLst/>
@@ -13623,17 +14116,17 @@
           <a:p>
             <a:pPr algn="ctr"/>
             <a:r>
-              <a:rPr lang="fr-CA" dirty="0"/>
+              <a:rPr lang="fr-CA" sz="1600" dirty="0"/>
               <a:t>Dropout</a:t>
             </a:r>
           </a:p>
           <a:p>
             <a:pPr algn="ctr"/>
             <a:r>
-              <a:rPr lang="fr-CA" dirty="0"/>
+              <a:rPr lang="fr-CA" sz="1600" dirty="0"/>
               <a:t>(p = 0.5)</a:t>
             </a:r>
-            <a:endParaRPr lang="en-CA" dirty="0"/>
+            <a:endParaRPr lang="en-CA" sz="1600" dirty="0"/>
           </a:p>
         </p:txBody>
       </p:sp>
@@ -13651,8 +14144,8 @@
         </p:nvSpPr>
         <p:spPr>
           <a:xfrm>
-            <a:off x="8259147" y="3537607"/>
-            <a:ext cx="2489718" cy="583163"/>
+            <a:off x="8277809" y="3360827"/>
+            <a:ext cx="2489718" cy="495397"/>
           </a:xfrm>
           <a:prstGeom prst="rect">
             <a:avLst/>
@@ -13686,17 +14179,17 @@
           <a:p>
             <a:pPr algn="ctr"/>
             <a:r>
-              <a:rPr lang="fr-CA" dirty="0"/>
+              <a:rPr lang="fr-CA" sz="1600" dirty="0"/>
               <a:t>Dense</a:t>
             </a:r>
           </a:p>
           <a:p>
             <a:pPr algn="ctr"/>
             <a:r>
-              <a:rPr lang="fr-CA" dirty="0"/>
+              <a:rPr lang="fr-CA" sz="1600" dirty="0"/>
               <a:t>(64, 32)</a:t>
             </a:r>
-            <a:endParaRPr lang="en-CA" dirty="0"/>
+            <a:endParaRPr lang="en-CA" sz="1600" dirty="0"/>
           </a:p>
         </p:txBody>
       </p:sp>
@@ -13714,8 +14207,8 @@
         </p:nvSpPr>
         <p:spPr>
           <a:xfrm>
-            <a:off x="8259147" y="4354179"/>
-            <a:ext cx="2489718" cy="583163"/>
+            <a:off x="8277809" y="4177399"/>
+            <a:ext cx="2489718" cy="495397"/>
           </a:xfrm>
           <a:prstGeom prst="rect">
             <a:avLst/>
@@ -13749,10 +14242,10 @@
           <a:p>
             <a:pPr algn="ctr"/>
             <a:r>
-              <a:rPr lang="fr-CA" dirty="0" err="1"/>
+              <a:rPr lang="fr-CA" sz="1600" dirty="0" err="1"/>
               <a:t>SkipConnection</a:t>
             </a:r>
-            <a:endParaRPr lang="fr-CA" dirty="0"/>
+            <a:endParaRPr lang="fr-CA" sz="1600" dirty="0"/>
           </a:p>
         </p:txBody>
       </p:sp>
@@ -13770,8 +14263,8 @@
         </p:nvSpPr>
         <p:spPr>
           <a:xfrm>
-            <a:off x="8259147" y="5170751"/>
-            <a:ext cx="2489718" cy="583163"/>
+            <a:off x="8277809" y="4993971"/>
+            <a:ext cx="2489718" cy="495397"/>
           </a:xfrm>
           <a:prstGeom prst="rect">
             <a:avLst/>
@@ -13805,17 +14298,17 @@
           <a:p>
             <a:pPr algn="ctr"/>
             <a:r>
-              <a:rPr lang="fr-CA" dirty="0"/>
+              <a:rPr lang="fr-CA" sz="1600" dirty="0"/>
               <a:t>Dense</a:t>
             </a:r>
           </a:p>
           <a:p>
             <a:pPr algn="ctr"/>
             <a:r>
-              <a:rPr lang="fr-CA" dirty="0"/>
+              <a:rPr lang="fr-CA" sz="1600" dirty="0"/>
               <a:t>(32, 1)</a:t>
             </a:r>
-            <a:endParaRPr lang="en-CA" dirty="0"/>
+            <a:endParaRPr lang="en-CA" sz="1600" dirty="0"/>
           </a:p>
         </p:txBody>
       </p:sp>
@@ -13833,8 +14326,8 @@
         </p:nvSpPr>
         <p:spPr>
           <a:xfrm>
-            <a:off x="8259147" y="1904463"/>
-            <a:ext cx="2489718" cy="583163"/>
+            <a:off x="8277809" y="1727683"/>
+            <a:ext cx="2489718" cy="495397"/>
           </a:xfrm>
           <a:prstGeom prst="rect">
             <a:avLst/>
@@ -13868,17 +14361,17 @@
           <a:p>
             <a:pPr algn="ctr"/>
             <a:r>
-              <a:rPr lang="fr-CA" dirty="0"/>
+              <a:rPr lang="fr-CA" sz="1600" dirty="0"/>
               <a:t>Dense</a:t>
             </a:r>
           </a:p>
           <a:p>
             <a:pPr algn="ctr"/>
             <a:r>
-              <a:rPr lang="fr-CA" dirty="0"/>
+              <a:rPr lang="fr-CA" sz="1600" dirty="0"/>
               <a:t>(feat, 64)</a:t>
             </a:r>
-            <a:endParaRPr lang="en-CA" dirty="0"/>
+            <a:endParaRPr lang="en-CA" sz="1600" dirty="0"/>
           </a:p>
         </p:txBody>
       </p:sp>
@@ -13896,8 +14389,8 @@
         </p:nvSpPr>
         <p:spPr>
           <a:xfrm>
-            <a:off x="8259147" y="1087891"/>
-            <a:ext cx="2489718" cy="583163"/>
+            <a:off x="8277809" y="911111"/>
+            <a:ext cx="2489718" cy="495397"/>
           </a:xfrm>
           <a:prstGeom prst="rect">
             <a:avLst/>
@@ -13931,7 +14424,7 @@
           <a:p>
             <a:pPr algn="ctr"/>
             <a:r>
-              <a:rPr lang="fr-CA" dirty="0"/>
+              <a:rPr lang="fr-CA" sz="1600" dirty="0"/>
               <a:t>Data</a:t>
             </a:r>
           </a:p>
@@ -13951,8 +14444,8 @@
         </p:nvSpPr>
         <p:spPr>
           <a:xfrm>
-            <a:off x="8259147" y="5987323"/>
-            <a:ext cx="2489718" cy="583163"/>
+            <a:off x="8277809" y="5810543"/>
+            <a:ext cx="2489718" cy="495397"/>
           </a:xfrm>
           <a:prstGeom prst="rect">
             <a:avLst/>
@@ -13986,10 +14479,10 @@
           <a:p>
             <a:pPr algn="ctr"/>
             <a:r>
-              <a:rPr lang="fr-CA" dirty="0" err="1"/>
+              <a:rPr lang="fr-CA" sz="1600" dirty="0" err="1"/>
               <a:t>Reshape</a:t>
             </a:r>
-            <a:endParaRPr lang="fr-CA" dirty="0"/>
+            <a:endParaRPr lang="fr-CA" sz="1600" dirty="0"/>
           </a:p>
         </p:txBody>
       </p:sp>
@@ -14011,8 +14504,8 @@
         </p:nvCxnSpPr>
         <p:spPr>
           <a:xfrm>
-            <a:off x="9504006" y="1671054"/>
-            <a:ext cx="0" cy="233409"/>
+            <a:off x="9522668" y="1406508"/>
+            <a:ext cx="0" cy="321175"/>
           </a:xfrm>
           <a:prstGeom prst="straightConnector1">
             <a:avLst/>
@@ -14056,8 +14549,8 @@
         </p:nvCxnSpPr>
         <p:spPr>
           <a:xfrm>
-            <a:off x="9504006" y="2514063"/>
-            <a:ext cx="0" cy="206972"/>
+            <a:off x="9522668" y="2249517"/>
+            <a:ext cx="0" cy="294738"/>
           </a:xfrm>
           <a:prstGeom prst="straightConnector1">
             <a:avLst/>
@@ -14102,8 +14595,8 @@
         </p:nvCxnSpPr>
         <p:spPr>
           <a:xfrm>
-            <a:off x="9504006" y="3304198"/>
-            <a:ext cx="0" cy="233409"/>
+            <a:off x="9522668" y="3039652"/>
+            <a:ext cx="0" cy="321175"/>
           </a:xfrm>
           <a:prstGeom prst="straightConnector1">
             <a:avLst/>
@@ -14148,8 +14641,8 @@
         </p:nvCxnSpPr>
         <p:spPr>
           <a:xfrm>
-            <a:off x="9504006" y="4937342"/>
-            <a:ext cx="0" cy="233409"/>
+            <a:off x="9522668" y="4672796"/>
+            <a:ext cx="0" cy="321175"/>
           </a:xfrm>
           <a:prstGeom prst="straightConnector1">
             <a:avLst/>
@@ -14194,8 +14687,8 @@
         </p:nvCxnSpPr>
         <p:spPr>
           <a:xfrm>
-            <a:off x="9504006" y="4120770"/>
-            <a:ext cx="0" cy="233409"/>
+            <a:off x="9522668" y="3856224"/>
+            <a:ext cx="0" cy="321175"/>
           </a:xfrm>
           <a:prstGeom prst="straightConnector1">
             <a:avLst/>
@@ -14240,8 +14733,8 @@
         </p:nvCxnSpPr>
         <p:spPr>
           <a:xfrm>
-            <a:off x="9504006" y="5753914"/>
-            <a:ext cx="0" cy="233409"/>
+            <a:off x="9522668" y="5489368"/>
+            <a:ext cx="0" cy="321175"/>
           </a:xfrm>
           <a:prstGeom prst="straightConnector1">
             <a:avLst/>
@@ -14286,7 +14779,7 @@
         </p:nvCxnSpPr>
         <p:spPr>
           <a:xfrm rot="10800000" flipV="1">
-            <a:off x="8259147" y="3829189"/>
+            <a:off x="8277809" y="3608526"/>
             <a:ext cx="12700" cy="1633144"/>
           </a:xfrm>
           <a:prstGeom prst="bentConnector3">
@@ -14350,6 +14843,53 @@
           <a:prstGeom prst="rect">
             <a:avLst/>
           </a:prstGeom>
+        </p:spPr>
+      </p:pic>
+      <p:pic>
+        <p:nvPicPr>
+          <p:cNvPr id="20" name="Picture 2">
+            <a:extLst>
+              <a:ext uri="{FF2B5EF4-FFF2-40B4-BE49-F238E27FC236}">
+                <a16:creationId xmlns:a16="http://schemas.microsoft.com/office/drawing/2014/main" id="{F5F206B3-E963-4466-A249-639372900B7F}"/>
+              </a:ext>
+            </a:extLst>
+          </p:cNvPr>
+          <p:cNvPicPr>
+            <a:picLocks noChangeAspect="1" noChangeArrowheads="1"/>
+          </p:cNvPicPr>
+          <p:nvPr/>
+        </p:nvPicPr>
+        <p:blipFill>
+          <a:blip r:embed="rId3">
+            <a:extLst>
+              <a:ext uri="{28A0092B-C50C-407E-A947-70E740481C1C}">
+                <a14:useLocalDpi xmlns:a14="http://schemas.microsoft.com/office/drawing/2010/main" val="0"/>
+              </a:ext>
+            </a:extLst>
+          </a:blip>
+          <a:srcRect/>
+          <a:stretch>
+            <a:fillRect/>
+          </a:stretch>
+        </p:blipFill>
+        <p:spPr bwMode="auto">
+          <a:xfrm>
+            <a:off x="0" y="6362700"/>
+            <a:ext cx="12192000" cy="495300"/>
+          </a:xfrm>
+          <a:prstGeom prst="rect">
+            <a:avLst/>
+          </a:prstGeom>
+          <a:noFill/>
+          <a:extLst>
+            <a:ext uri="{909E8E84-426E-40DD-AFC4-6F175D3DCCD1}">
+              <a14:hiddenFill xmlns:a14="http://schemas.microsoft.com/office/drawing/2010/main">
+                <a:solidFill>
+                  <a:srgbClr val="FFFFFF"/>
+                </a:solidFill>
+              </a14:hiddenFill>
+            </a:ext>
+          </a:extLst>
         </p:spPr>
       </p:pic>
     </p:spTree>

--- a/webinar-2022-02-15.pptx
+++ b/webinar-2022-02-15.pptx
@@ -128,7 +128,7 @@
 <file path=ppt/revisionInfo.xml><?xml version="1.0" encoding="utf-8"?>
 <p1510:revInfo xmlns:a="http://schemas.openxmlformats.org/drawingml/2006/main" xmlns:r="http://schemas.openxmlformats.org/officeDocument/2006/relationships" xmlns:p1510="http://schemas.microsoft.com/office/powerpoint/2015/10/main">
   <p1510:revLst>
-    <p1510:client id="{1328888D-3802-476F-89D8-8DFBB1391DB0}" v="122" dt="2022-02-15T20:57:12.052"/>
+    <p1510:client id="{1328888D-3802-476F-89D8-8DFBB1391DB0}" v="124" dt="2022-02-15T21:46:29.188"/>
   </p1510:revLst>
 </p1510:revInfo>
 </file>
@@ -672,7 +672,7 @@
   <pc:docChgLst>
     <pc:chgData name="Jeremie Desgagne-Bouchard" userId="befeb1e1a66a0338" providerId="LiveId" clId="{1328888D-3802-476F-89D8-8DFBB1391DB0}"/>
     <pc:docChg chg="undo custSel addSld delSld modSld sldOrd">
-      <pc:chgData name="Jeremie Desgagne-Bouchard" userId="befeb1e1a66a0338" providerId="LiveId" clId="{1328888D-3802-476F-89D8-8DFBB1391DB0}" dt="2022-02-15T20:57:54.412" v="1541" actId="47"/>
+      <pc:chgData name="Jeremie Desgagne-Bouchard" userId="befeb1e1a66a0338" providerId="LiveId" clId="{1328888D-3802-476F-89D8-8DFBB1391DB0}" dt="2022-02-15T21:48:28.782" v="1594" actId="207"/>
       <pc:docMkLst>
         <pc:docMk/>
       </pc:docMkLst>
@@ -832,13 +832,13 @@
         </pc:picChg>
       </pc:sldChg>
       <pc:sldChg chg="addSp modSp mod">
-        <pc:chgData name="Jeremie Desgagne-Bouchard" userId="befeb1e1a66a0338" providerId="LiveId" clId="{1328888D-3802-476F-89D8-8DFBB1391DB0}" dt="2022-02-15T20:57:08.852" v="1539"/>
+        <pc:chgData name="Jeremie Desgagne-Bouchard" userId="befeb1e1a66a0338" providerId="LiveId" clId="{1328888D-3802-476F-89D8-8DFBB1391DB0}" dt="2022-02-15T21:46:07.976" v="1546" actId="1076"/>
         <pc:sldMkLst>
           <pc:docMk/>
           <pc:sldMk cId="1995616433" sldId="262"/>
         </pc:sldMkLst>
         <pc:spChg chg="add mod">
-          <ac:chgData name="Jeremie Desgagne-Bouchard" userId="befeb1e1a66a0338" providerId="LiveId" clId="{1328888D-3802-476F-89D8-8DFBB1391DB0}" dt="2022-02-11T01:46:07.136" v="462" actId="20577"/>
+          <ac:chgData name="Jeremie Desgagne-Bouchard" userId="befeb1e1a66a0338" providerId="LiveId" clId="{1328888D-3802-476F-89D8-8DFBB1391DB0}" dt="2022-02-15T21:46:07.976" v="1546" actId="1076"/>
           <ac:spMkLst>
             <pc:docMk/>
             <pc:sldMk cId="1995616433" sldId="262"/>
@@ -846,7 +846,7 @@
           </ac:spMkLst>
         </pc:spChg>
         <pc:spChg chg="mod">
-          <ac:chgData name="Jeremie Desgagne-Bouchard" userId="befeb1e1a66a0338" providerId="LiveId" clId="{1328888D-3802-476F-89D8-8DFBB1391DB0}" dt="2022-02-11T01:45:58.884" v="459" actId="20577"/>
+          <ac:chgData name="Jeremie Desgagne-Bouchard" userId="befeb1e1a66a0338" providerId="LiveId" clId="{1328888D-3802-476F-89D8-8DFBB1391DB0}" dt="2022-02-15T21:46:07.976" v="1546" actId="1076"/>
           <ac:spMkLst>
             <pc:docMk/>
             <pc:sldMk cId="1995616433" sldId="262"/>
@@ -863,7 +863,7 @@
         </pc:picChg>
       </pc:sldChg>
       <pc:sldChg chg="addSp modSp mod">
-        <pc:chgData name="Jeremie Desgagne-Bouchard" userId="befeb1e1a66a0338" providerId="LiveId" clId="{1328888D-3802-476F-89D8-8DFBB1391DB0}" dt="2022-02-15T20:56:54.978" v="1535" actId="20577"/>
+        <pc:chgData name="Jeremie Desgagne-Bouchard" userId="befeb1e1a66a0338" providerId="LiveId" clId="{1328888D-3802-476F-89D8-8DFBB1391DB0}" dt="2022-02-15T21:45:56.807" v="1545" actId="1076"/>
         <pc:sldMkLst>
           <pc:docMk/>
           <pc:sldMk cId="154442912" sldId="264"/>
@@ -877,7 +877,7 @@
           </ac:spMkLst>
         </pc:spChg>
         <pc:spChg chg="mod">
-          <ac:chgData name="Jeremie Desgagne-Bouchard" userId="befeb1e1a66a0338" providerId="LiveId" clId="{1328888D-3802-476F-89D8-8DFBB1391DB0}" dt="2022-02-15T20:56:54.978" v="1535" actId="20577"/>
+          <ac:chgData name="Jeremie Desgagne-Bouchard" userId="befeb1e1a66a0338" providerId="LiveId" clId="{1328888D-3802-476F-89D8-8DFBB1391DB0}" dt="2022-02-15T21:45:56.807" v="1545" actId="1076"/>
           <ac:spMkLst>
             <pc:docMk/>
             <pc:sldMk cId="154442912" sldId="264"/>
@@ -902,13 +902,13 @@
         </pc:picChg>
       </pc:sldChg>
       <pc:sldChg chg="addSp modSp mod">
-        <pc:chgData name="Jeremie Desgagne-Bouchard" userId="befeb1e1a66a0338" providerId="LiveId" clId="{1328888D-3802-476F-89D8-8DFBB1391DB0}" dt="2022-02-15T20:57:05.913" v="1538"/>
+        <pc:chgData name="Jeremie Desgagne-Bouchard" userId="befeb1e1a66a0338" providerId="LiveId" clId="{1328888D-3802-476F-89D8-8DFBB1391DB0}" dt="2022-02-15T21:45:46.019" v="1544" actId="1076"/>
         <pc:sldMkLst>
           <pc:docMk/>
           <pc:sldMk cId="2782781058" sldId="265"/>
         </pc:sldMkLst>
         <pc:spChg chg="mod">
-          <ac:chgData name="Jeremie Desgagne-Bouchard" userId="befeb1e1a66a0338" providerId="LiveId" clId="{1328888D-3802-476F-89D8-8DFBB1391DB0}" dt="2022-02-15T20:57:03.547" v="1537" actId="20577"/>
+          <ac:chgData name="Jeremie Desgagne-Bouchard" userId="befeb1e1a66a0338" providerId="LiveId" clId="{1328888D-3802-476F-89D8-8DFBB1391DB0}" dt="2022-02-15T21:45:46.019" v="1544" actId="1076"/>
           <ac:spMkLst>
             <pc:docMk/>
             <pc:sldMk cId="2782781058" sldId="265"/>
@@ -1321,7 +1321,7 @@
         </pc:picChg>
       </pc:sldChg>
       <pc:sldChg chg="addSp delSp modSp add mod">
-        <pc:chgData name="Jeremie Desgagne-Bouchard" userId="befeb1e1a66a0338" providerId="LiveId" clId="{1328888D-3802-476F-89D8-8DFBB1391DB0}" dt="2022-02-15T20:54:41.023" v="1520" actId="1035"/>
+        <pc:chgData name="Jeremie Desgagne-Bouchard" userId="befeb1e1a66a0338" providerId="LiveId" clId="{1328888D-3802-476F-89D8-8DFBB1391DB0}" dt="2022-02-15T21:45:01.525" v="1543" actId="20577"/>
         <pc:sldMkLst>
           <pc:docMk/>
           <pc:sldMk cId="3054137920" sldId="270"/>
@@ -1343,7 +1343,7 @@
           </ac:spMkLst>
         </pc:spChg>
         <pc:spChg chg="add mod">
-          <ac:chgData name="Jeremie Desgagne-Bouchard" userId="befeb1e1a66a0338" providerId="LiveId" clId="{1328888D-3802-476F-89D8-8DFBB1391DB0}" dt="2022-02-15T19:23:18.989" v="1291" actId="1076"/>
+          <ac:chgData name="Jeremie Desgagne-Bouchard" userId="befeb1e1a66a0338" providerId="LiveId" clId="{1328888D-3802-476F-89D8-8DFBB1391DB0}" dt="2022-02-15T21:45:01.525" v="1543" actId="20577"/>
           <ac:spMkLst>
             <pc:docMk/>
             <pc:sldMk cId="3054137920" sldId="270"/>
@@ -1359,12 +1359,20 @@
           </ac:picMkLst>
         </pc:picChg>
       </pc:sldChg>
-      <pc:sldChg chg="addSp modSp add">
-        <pc:chgData name="Jeremie Desgagne-Bouchard" userId="befeb1e1a66a0338" providerId="LiveId" clId="{1328888D-3802-476F-89D8-8DFBB1391DB0}" dt="2022-02-15T20:54:38.575" v="1518"/>
+      <pc:sldChg chg="addSp modSp add mod">
+        <pc:chgData name="Jeremie Desgagne-Bouchard" userId="befeb1e1a66a0338" providerId="LiveId" clId="{1328888D-3802-476F-89D8-8DFBB1391DB0}" dt="2022-02-15T21:48:28.782" v="1594" actId="207"/>
         <pc:sldMkLst>
           <pc:docMk/>
           <pc:sldMk cId="1680342322" sldId="271"/>
         </pc:sldMkLst>
+        <pc:spChg chg="mod">
+          <ac:chgData name="Jeremie Desgagne-Bouchard" userId="befeb1e1a66a0338" providerId="LiveId" clId="{1328888D-3802-476F-89D8-8DFBB1391DB0}" dt="2022-02-15T21:48:28.782" v="1594" actId="207"/>
+          <ac:spMkLst>
+            <pc:docMk/>
+            <pc:sldMk cId="1680342322" sldId="271"/>
+            <ac:spMk id="4" creationId="{45B2AD6B-C9C7-425B-956F-EBFC06965573}"/>
+          </ac:spMkLst>
+        </pc:spChg>
         <pc:picChg chg="add mod">
           <ac:chgData name="Jeremie Desgagne-Bouchard" userId="befeb1e1a66a0338" providerId="LiveId" clId="{1328888D-3802-476F-89D8-8DFBB1391DB0}" dt="2022-02-15T20:54:38.575" v="1518"/>
           <ac:picMkLst>
@@ -1374,18 +1382,34 @@
           </ac:picMkLst>
         </pc:picChg>
       </pc:sldChg>
-      <pc:sldChg chg="addSp modSp add mod">
-        <pc:chgData name="Jeremie Desgagne-Bouchard" userId="befeb1e1a66a0338" providerId="LiveId" clId="{1328888D-3802-476F-89D8-8DFBB1391DB0}" dt="2022-02-15T20:55:51.500" v="1526" actId="20577"/>
+      <pc:sldChg chg="addSp delSp modSp add mod">
+        <pc:chgData name="Jeremie Desgagne-Bouchard" userId="befeb1e1a66a0338" providerId="LiveId" clId="{1328888D-3802-476F-89D8-8DFBB1391DB0}" dt="2022-02-15T21:47:41.603" v="1593" actId="20577"/>
         <pc:sldMkLst>
           <pc:docMk/>
           <pc:sldMk cId="2032574703" sldId="272"/>
         </pc:sldMkLst>
         <pc:spChg chg="add mod">
+          <ac:chgData name="Jeremie Desgagne-Bouchard" userId="befeb1e1a66a0338" providerId="LiveId" clId="{1328888D-3802-476F-89D8-8DFBB1391DB0}" dt="2022-02-15T21:47:41.603" v="1593" actId="20577"/>
+          <ac:spMkLst>
+            <pc:docMk/>
+            <pc:sldMk cId="2032574703" sldId="272"/>
+            <ac:spMk id="2" creationId="{997B1A1D-529B-4E6F-B983-232B0FFCB568}"/>
+          </ac:spMkLst>
+        </pc:spChg>
+        <pc:spChg chg="add mod">
           <ac:chgData name="Jeremie Desgagne-Bouchard" userId="befeb1e1a66a0338" providerId="LiveId" clId="{1328888D-3802-476F-89D8-8DFBB1391DB0}" dt="2022-02-15T20:55:51.500" v="1526" actId="20577"/>
           <ac:spMkLst>
             <pc:docMk/>
             <pc:sldMk cId="2032574703" sldId="272"/>
             <ac:spMk id="3" creationId="{B0D474EB-2D70-4ED9-BB6F-ADADE65906BF}"/>
+          </ac:spMkLst>
+        </pc:spChg>
+        <pc:spChg chg="add del mod">
+          <ac:chgData name="Jeremie Desgagne-Bouchard" userId="befeb1e1a66a0338" providerId="LiveId" clId="{1328888D-3802-476F-89D8-8DFBB1391DB0}" dt="2022-02-15T21:46:33.437" v="1550" actId="478"/>
+          <ac:spMkLst>
+            <pc:docMk/>
+            <pc:sldMk cId="2032574703" sldId="272"/>
+            <ac:spMk id="5" creationId="{CF603F83-E12C-4A7B-8317-96DC28C15EF4}"/>
           </ac:spMkLst>
         </pc:spChg>
         <pc:picChg chg="add mod">
@@ -6060,6 +6084,57 @@
           </a:extLst>
         </p:spPr>
       </p:pic>
+      <p:sp>
+        <p:nvSpPr>
+          <p:cNvPr id="2" name="TextBox 1">
+            <a:extLst>
+              <a:ext uri="{FF2B5EF4-FFF2-40B4-BE49-F238E27FC236}">
+                <a16:creationId xmlns:a16="http://schemas.microsoft.com/office/drawing/2014/main" id="{997B1A1D-529B-4E6F-B983-232B0FFCB568}"/>
+              </a:ext>
+            </a:extLst>
+          </p:cNvPr>
+          <p:cNvSpPr txBox="1"/>
+          <p:nvPr/>
+        </p:nvSpPr>
+        <p:spPr>
+          <a:xfrm>
+            <a:off x="3447067" y="1585498"/>
+            <a:ext cx="5706359" cy="523220"/>
+          </a:xfrm>
+          <a:prstGeom prst="rect">
+            <a:avLst/>
+          </a:prstGeom>
+          <a:noFill/>
+        </p:spPr>
+        <p:txBody>
+          <a:bodyPr wrap="square" rtlCol="0">
+            <a:spAutoFit/>
+          </a:bodyPr>
+          <a:lstStyle/>
+          <a:p>
+            <a:r>
+              <a:rPr lang="en-CA" sz="2800" dirty="0" err="1">
+                <a:solidFill>
+                  <a:schemeClr val="bg2">
+                    <a:lumMod val="25000"/>
+                  </a:schemeClr>
+                </a:solidFill>
+              </a:rPr>
+              <a:t>EvoTrees.jl</a:t>
+            </a:r>
+            <a:r>
+              <a:rPr lang="en-CA" sz="2800" dirty="0">
+                <a:solidFill>
+                  <a:schemeClr val="bg2">
+                    <a:lumMod val="25000"/>
+                  </a:schemeClr>
+                </a:solidFill>
+              </a:rPr>
+              <a:t> | Gradient Boosted Trees</a:t>
+            </a:r>
+          </a:p>
+        </p:txBody>
+      </p:sp>
     </p:spTree>
     <p:extLst>
       <p:ext uri="{BB962C8B-B14F-4D97-AF65-F5344CB8AC3E}">
@@ -7133,7 +7208,7 @@
         <p:spPr>
           <a:xfrm>
             <a:off x="786616" y="2514452"/>
-            <a:ext cx="11081923" cy="3693319"/>
+            <a:ext cx="11081923" cy="3139321"/>
           </a:xfrm>
           <a:prstGeom prst="rect">
             <a:avLst/>
@@ -7150,6 +7225,562 @@
           </a:bodyPr>
           <a:lstStyle/>
           <a:p>
+            <a:r>
+              <a:rPr lang="en-CA" b="0" dirty="0">
+                <a:solidFill>
+                  <a:srgbClr val="C678DD"/>
+                </a:solidFill>
+                <a:effectLst/>
+                <a:latin typeface="Consolas" panose="020B0609020204030204" pitchFamily="49" charset="0"/>
+              </a:rPr>
+              <a:t>const</a:t>
+            </a:r>
+            <a:r>
+              <a:rPr lang="en-CA" b="0" dirty="0">
+                <a:solidFill>
+                  <a:srgbClr val="ABB2BF"/>
+                </a:solidFill>
+                <a:effectLst/>
+                <a:latin typeface="Consolas" panose="020B0609020204030204" pitchFamily="49" charset="0"/>
+              </a:rPr>
+              <a:t> </a:t>
+            </a:r>
+            <a:r>
+              <a:rPr lang="en-CA" b="0" dirty="0" err="1">
+                <a:solidFill>
+                  <a:srgbClr val="ABB2BF"/>
+                </a:solidFill>
+                <a:effectLst/>
+                <a:latin typeface="Consolas" panose="020B0609020204030204" pitchFamily="49" charset="0"/>
+              </a:rPr>
+              <a:t>preproc_flux</a:t>
+            </a:r>
+            <a:r>
+              <a:rPr lang="en-CA" b="0" dirty="0">
+                <a:solidFill>
+                  <a:srgbClr val="ABB2BF"/>
+                </a:solidFill>
+                <a:effectLst/>
+                <a:latin typeface="Consolas" panose="020B0609020204030204" pitchFamily="49" charset="0"/>
+              </a:rPr>
+              <a:t> </a:t>
+            </a:r>
+            <a:r>
+              <a:rPr lang="en-CA" b="0" dirty="0">
+                <a:solidFill>
+                  <a:srgbClr val="C678DD"/>
+                </a:solidFill>
+                <a:effectLst/>
+                <a:latin typeface="Consolas" panose="020B0609020204030204" pitchFamily="49" charset="0"/>
+              </a:rPr>
+              <a:t>=</a:t>
+            </a:r>
+            <a:r>
+              <a:rPr lang="en-CA" b="0" dirty="0">
+                <a:solidFill>
+                  <a:srgbClr val="ABB2BF"/>
+                </a:solidFill>
+                <a:effectLst/>
+                <a:latin typeface="Consolas" panose="020B0609020204030204" pitchFamily="49" charset="0"/>
+              </a:rPr>
+              <a:t> </a:t>
+            </a:r>
+            <a:r>
+              <a:rPr lang="en-CA" b="0" dirty="0" err="1">
+                <a:solidFill>
+                  <a:srgbClr val="ABB2BF"/>
+                </a:solidFill>
+                <a:effectLst/>
+                <a:latin typeface="Consolas" panose="020B0609020204030204" pitchFamily="49" charset="0"/>
+              </a:rPr>
+              <a:t>BSON</a:t>
+            </a:r>
+            <a:r>
+              <a:rPr lang="en-CA" b="0" dirty="0" err="1">
+                <a:solidFill>
+                  <a:srgbClr val="C678DD"/>
+                </a:solidFill>
+                <a:effectLst/>
+                <a:latin typeface="Consolas" panose="020B0609020204030204" pitchFamily="49" charset="0"/>
+              </a:rPr>
+              <a:t>.</a:t>
+            </a:r>
+            <a:r>
+              <a:rPr lang="en-CA" b="0" dirty="0" err="1">
+                <a:solidFill>
+                  <a:srgbClr val="56B6C2"/>
+                </a:solidFill>
+                <a:effectLst/>
+                <a:latin typeface="Consolas" panose="020B0609020204030204" pitchFamily="49" charset="0"/>
+              </a:rPr>
+              <a:t>load</a:t>
+            </a:r>
+            <a:r>
+              <a:rPr lang="en-CA" b="0" dirty="0">
+                <a:solidFill>
+                  <a:srgbClr val="ABB2BF"/>
+                </a:solidFill>
+                <a:effectLst/>
+                <a:latin typeface="Consolas" panose="020B0609020204030204" pitchFamily="49" charset="0"/>
+              </a:rPr>
+              <a:t>(</a:t>
+            </a:r>
+            <a:r>
+              <a:rPr lang="en-CA" b="0" dirty="0">
+                <a:solidFill>
+                  <a:srgbClr val="98C379"/>
+                </a:solidFill>
+                <a:effectLst/>
+                <a:latin typeface="Consolas" panose="020B0609020204030204" pitchFamily="49" charset="0"/>
+              </a:rPr>
+              <a:t>"</a:t>
+            </a:r>
+            <a:r>
+              <a:rPr lang="en-CA" b="0" dirty="0" err="1">
+                <a:solidFill>
+                  <a:srgbClr val="98C379"/>
+                </a:solidFill>
+                <a:effectLst/>
+                <a:latin typeface="Consolas" panose="020B0609020204030204" pitchFamily="49" charset="0"/>
+              </a:rPr>
+              <a:t>preproc-flux.bson</a:t>
+            </a:r>
+            <a:r>
+              <a:rPr lang="en-CA" b="0" dirty="0">
+                <a:solidFill>
+                  <a:srgbClr val="98C379"/>
+                </a:solidFill>
+                <a:effectLst/>
+                <a:latin typeface="Consolas" panose="020B0609020204030204" pitchFamily="49" charset="0"/>
+              </a:rPr>
+              <a:t>"</a:t>
+            </a:r>
+            <a:r>
+              <a:rPr lang="en-CA" b="0" dirty="0">
+                <a:solidFill>
+                  <a:srgbClr val="ABB2BF"/>
+                </a:solidFill>
+                <a:effectLst/>
+                <a:latin typeface="Consolas" panose="020B0609020204030204" pitchFamily="49" charset="0"/>
+              </a:rPr>
+              <a:t>), </a:t>
+            </a:r>
+            <a:r>
+              <a:rPr lang="en-CA" b="0" dirty="0" err="1">
+                <a:solidFill>
+                  <a:srgbClr val="ABB2BF"/>
+                </a:solidFill>
+                <a:effectLst/>
+                <a:latin typeface="Consolas" panose="020B0609020204030204" pitchFamily="49" charset="0"/>
+              </a:rPr>
+              <a:t>ScoringEngineDemo</a:t>
+            </a:r>
+            <a:r>
+              <a:rPr lang="en-CA" b="0" dirty="0">
+                <a:solidFill>
+                  <a:srgbClr val="ABB2BF"/>
+                </a:solidFill>
+                <a:effectLst/>
+                <a:latin typeface="Consolas" panose="020B0609020204030204" pitchFamily="49" charset="0"/>
+              </a:rPr>
+              <a:t>)[</a:t>
+            </a:r>
+            <a:r>
+              <a:rPr lang="en-CA" b="0" dirty="0">
+                <a:solidFill>
+                  <a:srgbClr val="56B6C2"/>
+                </a:solidFill>
+                <a:effectLst/>
+                <a:latin typeface="Consolas" panose="020B0609020204030204" pitchFamily="49" charset="0"/>
+              </a:rPr>
+              <a:t>:</a:t>
+            </a:r>
+            <a:r>
+              <a:rPr lang="en-CA" b="0" dirty="0" err="1">
+                <a:solidFill>
+                  <a:srgbClr val="56B6C2"/>
+                </a:solidFill>
+                <a:effectLst/>
+                <a:latin typeface="Consolas" panose="020B0609020204030204" pitchFamily="49" charset="0"/>
+              </a:rPr>
+              <a:t>preproc</a:t>
+            </a:r>
+            <a:r>
+              <a:rPr lang="en-CA" b="0" dirty="0">
+                <a:solidFill>
+                  <a:srgbClr val="ABB2BF"/>
+                </a:solidFill>
+                <a:effectLst/>
+                <a:latin typeface="Consolas" panose="020B0609020204030204" pitchFamily="49" charset="0"/>
+              </a:rPr>
+              <a:t>]</a:t>
+            </a:r>
+          </a:p>
+          <a:p>
+            <a:r>
+              <a:rPr lang="en-CA" b="0" dirty="0">
+                <a:solidFill>
+                  <a:srgbClr val="C678DD"/>
+                </a:solidFill>
+                <a:effectLst/>
+                <a:latin typeface="Consolas" panose="020B0609020204030204" pitchFamily="49" charset="0"/>
+              </a:rPr>
+              <a:t>const</a:t>
+            </a:r>
+            <a:r>
+              <a:rPr lang="en-CA" b="0" dirty="0">
+                <a:solidFill>
+                  <a:srgbClr val="ABB2BF"/>
+                </a:solidFill>
+                <a:effectLst/>
+                <a:latin typeface="Consolas" panose="020B0609020204030204" pitchFamily="49" charset="0"/>
+              </a:rPr>
+              <a:t> </a:t>
+            </a:r>
+            <a:r>
+              <a:rPr lang="en-CA" b="0" dirty="0" err="1">
+                <a:solidFill>
+                  <a:srgbClr val="ABB2BF"/>
+                </a:solidFill>
+                <a:effectLst/>
+                <a:latin typeface="Consolas" panose="020B0609020204030204" pitchFamily="49" charset="0"/>
+              </a:rPr>
+              <a:t>adapter_flux</a:t>
+            </a:r>
+            <a:r>
+              <a:rPr lang="en-CA" b="0" dirty="0">
+                <a:solidFill>
+                  <a:srgbClr val="ABB2BF"/>
+                </a:solidFill>
+                <a:effectLst/>
+                <a:latin typeface="Consolas" panose="020B0609020204030204" pitchFamily="49" charset="0"/>
+              </a:rPr>
+              <a:t> </a:t>
+            </a:r>
+            <a:r>
+              <a:rPr lang="en-CA" b="0" dirty="0">
+                <a:solidFill>
+                  <a:srgbClr val="C678DD"/>
+                </a:solidFill>
+                <a:effectLst/>
+                <a:latin typeface="Consolas" panose="020B0609020204030204" pitchFamily="49" charset="0"/>
+              </a:rPr>
+              <a:t>=</a:t>
+            </a:r>
+            <a:r>
+              <a:rPr lang="en-CA" b="0" dirty="0">
+                <a:solidFill>
+                  <a:srgbClr val="ABB2BF"/>
+                </a:solidFill>
+                <a:effectLst/>
+                <a:latin typeface="Consolas" panose="020B0609020204030204" pitchFamily="49" charset="0"/>
+              </a:rPr>
+              <a:t> </a:t>
+            </a:r>
+            <a:r>
+              <a:rPr lang="en-CA" b="0" dirty="0" err="1">
+                <a:solidFill>
+                  <a:srgbClr val="ABB2BF"/>
+                </a:solidFill>
+                <a:effectLst/>
+                <a:latin typeface="Consolas" panose="020B0609020204030204" pitchFamily="49" charset="0"/>
+              </a:rPr>
+              <a:t>BSON</a:t>
+            </a:r>
+            <a:r>
+              <a:rPr lang="en-CA" b="0" dirty="0" err="1">
+                <a:solidFill>
+                  <a:srgbClr val="C678DD"/>
+                </a:solidFill>
+                <a:effectLst/>
+                <a:latin typeface="Consolas" panose="020B0609020204030204" pitchFamily="49" charset="0"/>
+              </a:rPr>
+              <a:t>.</a:t>
+            </a:r>
+            <a:r>
+              <a:rPr lang="en-CA" b="0" dirty="0" err="1">
+                <a:solidFill>
+                  <a:srgbClr val="56B6C2"/>
+                </a:solidFill>
+                <a:effectLst/>
+                <a:latin typeface="Consolas" panose="020B0609020204030204" pitchFamily="49" charset="0"/>
+              </a:rPr>
+              <a:t>load</a:t>
+            </a:r>
+            <a:r>
+              <a:rPr lang="en-CA" b="0" dirty="0">
+                <a:solidFill>
+                  <a:srgbClr val="ABB2BF"/>
+                </a:solidFill>
+                <a:effectLst/>
+                <a:latin typeface="Consolas" panose="020B0609020204030204" pitchFamily="49" charset="0"/>
+              </a:rPr>
+              <a:t>(</a:t>
+            </a:r>
+            <a:r>
+              <a:rPr lang="en-CA" b="0" dirty="0">
+                <a:solidFill>
+                  <a:srgbClr val="98C379"/>
+                </a:solidFill>
+                <a:effectLst/>
+                <a:latin typeface="Consolas" panose="020B0609020204030204" pitchFamily="49" charset="0"/>
+              </a:rPr>
+              <a:t>"adapter-</a:t>
+            </a:r>
+            <a:r>
+              <a:rPr lang="en-CA" b="0" dirty="0" err="1">
+                <a:solidFill>
+                  <a:srgbClr val="98C379"/>
+                </a:solidFill>
+                <a:effectLst/>
+                <a:latin typeface="Consolas" panose="020B0609020204030204" pitchFamily="49" charset="0"/>
+              </a:rPr>
+              <a:t>flux.bson</a:t>
+            </a:r>
+            <a:r>
+              <a:rPr lang="en-CA" b="0" dirty="0">
+                <a:solidFill>
+                  <a:srgbClr val="98C379"/>
+                </a:solidFill>
+                <a:effectLst/>
+                <a:latin typeface="Consolas" panose="020B0609020204030204" pitchFamily="49" charset="0"/>
+              </a:rPr>
+              <a:t>"</a:t>
+            </a:r>
+            <a:r>
+              <a:rPr lang="en-CA" b="0" dirty="0">
+                <a:solidFill>
+                  <a:srgbClr val="ABB2BF"/>
+                </a:solidFill>
+                <a:effectLst/>
+                <a:latin typeface="Consolas" panose="020B0609020204030204" pitchFamily="49" charset="0"/>
+              </a:rPr>
+              <a:t>), </a:t>
+            </a:r>
+            <a:r>
+              <a:rPr lang="en-CA" b="0" dirty="0" err="1">
+                <a:solidFill>
+                  <a:srgbClr val="ABB2BF"/>
+                </a:solidFill>
+                <a:effectLst/>
+                <a:latin typeface="Consolas" panose="020B0609020204030204" pitchFamily="49" charset="0"/>
+              </a:rPr>
+              <a:t>ScoringEngineDemo</a:t>
+            </a:r>
+            <a:r>
+              <a:rPr lang="en-CA" b="0" dirty="0">
+                <a:solidFill>
+                  <a:srgbClr val="ABB2BF"/>
+                </a:solidFill>
+                <a:effectLst/>
+                <a:latin typeface="Consolas" panose="020B0609020204030204" pitchFamily="49" charset="0"/>
+              </a:rPr>
+              <a:t>)[</a:t>
+            </a:r>
+            <a:r>
+              <a:rPr lang="en-CA" b="0" dirty="0">
+                <a:solidFill>
+                  <a:srgbClr val="56B6C2"/>
+                </a:solidFill>
+                <a:effectLst/>
+                <a:latin typeface="Consolas" panose="020B0609020204030204" pitchFamily="49" charset="0"/>
+              </a:rPr>
+              <a:t>:adapter</a:t>
+            </a:r>
+            <a:r>
+              <a:rPr lang="en-CA" b="0" dirty="0">
+                <a:solidFill>
+                  <a:srgbClr val="ABB2BF"/>
+                </a:solidFill>
+                <a:effectLst/>
+                <a:latin typeface="Consolas" panose="020B0609020204030204" pitchFamily="49" charset="0"/>
+              </a:rPr>
+              <a:t>]</a:t>
+            </a:r>
+          </a:p>
+          <a:p>
+            <a:r>
+              <a:rPr lang="en-CA" b="0" dirty="0">
+                <a:solidFill>
+                  <a:srgbClr val="C678DD"/>
+                </a:solidFill>
+                <a:effectLst/>
+                <a:latin typeface="Consolas" panose="020B0609020204030204" pitchFamily="49" charset="0"/>
+              </a:rPr>
+              <a:t>const</a:t>
+            </a:r>
+            <a:r>
+              <a:rPr lang="en-CA" b="0" dirty="0">
+                <a:solidFill>
+                  <a:srgbClr val="ABB2BF"/>
+                </a:solidFill>
+                <a:effectLst/>
+                <a:latin typeface="Consolas" panose="020B0609020204030204" pitchFamily="49" charset="0"/>
+              </a:rPr>
+              <a:t> </a:t>
+            </a:r>
+            <a:r>
+              <a:rPr lang="en-CA" b="0" dirty="0" err="1">
+                <a:solidFill>
+                  <a:srgbClr val="ABB2BF"/>
+                </a:solidFill>
+                <a:effectLst/>
+                <a:latin typeface="Consolas" panose="020B0609020204030204" pitchFamily="49" charset="0"/>
+              </a:rPr>
+              <a:t>model_flux</a:t>
+            </a:r>
+            <a:r>
+              <a:rPr lang="en-CA" b="0" dirty="0">
+                <a:solidFill>
+                  <a:srgbClr val="ABB2BF"/>
+                </a:solidFill>
+                <a:effectLst/>
+                <a:latin typeface="Consolas" panose="020B0609020204030204" pitchFamily="49" charset="0"/>
+              </a:rPr>
+              <a:t> </a:t>
+            </a:r>
+            <a:r>
+              <a:rPr lang="en-CA" b="0" dirty="0">
+                <a:solidFill>
+                  <a:srgbClr val="C678DD"/>
+                </a:solidFill>
+                <a:effectLst/>
+                <a:latin typeface="Consolas" panose="020B0609020204030204" pitchFamily="49" charset="0"/>
+              </a:rPr>
+              <a:t>=</a:t>
+            </a:r>
+            <a:r>
+              <a:rPr lang="en-CA" b="0" dirty="0">
+                <a:solidFill>
+                  <a:srgbClr val="ABB2BF"/>
+                </a:solidFill>
+                <a:effectLst/>
+                <a:latin typeface="Consolas" panose="020B0609020204030204" pitchFamily="49" charset="0"/>
+              </a:rPr>
+              <a:t> </a:t>
+            </a:r>
+            <a:r>
+              <a:rPr lang="en-CA" b="0" dirty="0" err="1">
+                <a:solidFill>
+                  <a:srgbClr val="ABB2BF"/>
+                </a:solidFill>
+                <a:effectLst/>
+                <a:latin typeface="Consolas" panose="020B0609020204030204" pitchFamily="49" charset="0"/>
+              </a:rPr>
+              <a:t>BSON</a:t>
+            </a:r>
+            <a:r>
+              <a:rPr lang="en-CA" b="0" dirty="0" err="1">
+                <a:solidFill>
+                  <a:srgbClr val="C678DD"/>
+                </a:solidFill>
+                <a:effectLst/>
+                <a:latin typeface="Consolas" panose="020B0609020204030204" pitchFamily="49" charset="0"/>
+              </a:rPr>
+              <a:t>.</a:t>
+            </a:r>
+            <a:r>
+              <a:rPr lang="en-CA" b="0" dirty="0" err="1">
+                <a:solidFill>
+                  <a:srgbClr val="56B6C2"/>
+                </a:solidFill>
+                <a:effectLst/>
+                <a:latin typeface="Consolas" panose="020B0609020204030204" pitchFamily="49" charset="0"/>
+              </a:rPr>
+              <a:t>load</a:t>
+            </a:r>
+            <a:r>
+              <a:rPr lang="en-CA" b="0" dirty="0">
+                <a:solidFill>
+                  <a:srgbClr val="ABB2BF"/>
+                </a:solidFill>
+                <a:effectLst/>
+                <a:latin typeface="Consolas" panose="020B0609020204030204" pitchFamily="49" charset="0"/>
+              </a:rPr>
+              <a:t>(</a:t>
+            </a:r>
+            <a:r>
+              <a:rPr lang="en-CA" b="0" dirty="0">
+                <a:solidFill>
+                  <a:srgbClr val="98C379"/>
+                </a:solidFill>
+                <a:effectLst/>
+                <a:latin typeface="Consolas" panose="020B0609020204030204" pitchFamily="49" charset="0"/>
+              </a:rPr>
+              <a:t>"model-</a:t>
+            </a:r>
+            <a:r>
+              <a:rPr lang="en-CA" b="0" dirty="0" err="1">
+                <a:solidFill>
+                  <a:srgbClr val="98C379"/>
+                </a:solidFill>
+                <a:effectLst/>
+                <a:latin typeface="Consolas" panose="020B0609020204030204" pitchFamily="49" charset="0"/>
+              </a:rPr>
+              <a:t>flux.bson</a:t>
+            </a:r>
+            <a:r>
+              <a:rPr lang="en-CA" b="0" dirty="0">
+                <a:solidFill>
+                  <a:srgbClr val="98C379"/>
+                </a:solidFill>
+                <a:effectLst/>
+                <a:latin typeface="Consolas" panose="020B0609020204030204" pitchFamily="49" charset="0"/>
+              </a:rPr>
+              <a:t>"</a:t>
+            </a:r>
+            <a:r>
+              <a:rPr lang="en-CA" b="0" dirty="0">
+                <a:solidFill>
+                  <a:srgbClr val="ABB2BF"/>
+                </a:solidFill>
+                <a:effectLst/>
+                <a:latin typeface="Consolas" panose="020B0609020204030204" pitchFamily="49" charset="0"/>
+              </a:rPr>
+              <a:t>), </a:t>
+            </a:r>
+            <a:r>
+              <a:rPr lang="en-CA" b="0" dirty="0" err="1">
+                <a:solidFill>
+                  <a:srgbClr val="ABB2BF"/>
+                </a:solidFill>
+                <a:effectLst/>
+                <a:latin typeface="Consolas" panose="020B0609020204030204" pitchFamily="49" charset="0"/>
+              </a:rPr>
+              <a:t>ScoringEngineDemo</a:t>
+            </a:r>
+            <a:r>
+              <a:rPr lang="en-CA" b="0" dirty="0">
+                <a:solidFill>
+                  <a:srgbClr val="ABB2BF"/>
+                </a:solidFill>
+                <a:effectLst/>
+                <a:latin typeface="Consolas" panose="020B0609020204030204" pitchFamily="49" charset="0"/>
+              </a:rPr>
+              <a:t>)[</a:t>
+            </a:r>
+            <a:r>
+              <a:rPr lang="en-CA" b="0" dirty="0">
+                <a:solidFill>
+                  <a:srgbClr val="56B6C2"/>
+                </a:solidFill>
+                <a:effectLst/>
+                <a:latin typeface="Consolas" panose="020B0609020204030204" pitchFamily="49" charset="0"/>
+              </a:rPr>
+              <a:t>:model</a:t>
+            </a:r>
+            <a:r>
+              <a:rPr lang="en-CA" b="0" dirty="0">
+                <a:solidFill>
+                  <a:srgbClr val="ABB2BF"/>
+                </a:solidFill>
+                <a:effectLst/>
+                <a:latin typeface="Consolas" panose="020B0609020204030204" pitchFamily="49" charset="0"/>
+              </a:rPr>
+              <a:t>]</a:t>
+            </a:r>
+          </a:p>
+          <a:p>
             <a:endParaRPr lang="en-CA" b="0" dirty="0">
               <a:solidFill>
                 <a:srgbClr val="C678DD"/>
@@ -7167,571 +7798,6 @@
                 <a:effectLst/>
                 <a:latin typeface="Consolas" panose="020B0609020204030204" pitchFamily="49" charset="0"/>
               </a:rPr>
-              <a:t>const</a:t>
-            </a:r>
-            <a:r>
-              <a:rPr lang="en-CA" b="0" dirty="0">
-                <a:solidFill>
-                  <a:srgbClr val="ABB2BF"/>
-                </a:solidFill>
-                <a:effectLst/>
-                <a:latin typeface="Consolas" panose="020B0609020204030204" pitchFamily="49" charset="0"/>
-              </a:rPr>
-              <a:t> </a:t>
-            </a:r>
-            <a:r>
-              <a:rPr lang="en-CA" b="0" dirty="0" err="1">
-                <a:solidFill>
-                  <a:srgbClr val="ABB2BF"/>
-                </a:solidFill>
-                <a:effectLst/>
-                <a:latin typeface="Consolas" panose="020B0609020204030204" pitchFamily="49" charset="0"/>
-              </a:rPr>
-              <a:t>preproc_flux</a:t>
-            </a:r>
-            <a:r>
-              <a:rPr lang="en-CA" b="0" dirty="0">
-                <a:solidFill>
-                  <a:srgbClr val="ABB2BF"/>
-                </a:solidFill>
-                <a:effectLst/>
-                <a:latin typeface="Consolas" panose="020B0609020204030204" pitchFamily="49" charset="0"/>
-              </a:rPr>
-              <a:t> </a:t>
-            </a:r>
-            <a:r>
-              <a:rPr lang="en-CA" b="0" dirty="0">
-                <a:solidFill>
-                  <a:srgbClr val="C678DD"/>
-                </a:solidFill>
-                <a:effectLst/>
-                <a:latin typeface="Consolas" panose="020B0609020204030204" pitchFamily="49" charset="0"/>
-              </a:rPr>
-              <a:t>=</a:t>
-            </a:r>
-            <a:r>
-              <a:rPr lang="en-CA" b="0" dirty="0">
-                <a:solidFill>
-                  <a:srgbClr val="ABB2BF"/>
-                </a:solidFill>
-                <a:effectLst/>
-                <a:latin typeface="Consolas" panose="020B0609020204030204" pitchFamily="49" charset="0"/>
-              </a:rPr>
-              <a:t> </a:t>
-            </a:r>
-            <a:r>
-              <a:rPr lang="en-CA" b="0" dirty="0" err="1">
-                <a:solidFill>
-                  <a:srgbClr val="ABB2BF"/>
-                </a:solidFill>
-                <a:effectLst/>
-                <a:latin typeface="Consolas" panose="020B0609020204030204" pitchFamily="49" charset="0"/>
-              </a:rPr>
-              <a:t>BSON</a:t>
-            </a:r>
-            <a:r>
-              <a:rPr lang="en-CA" b="0" dirty="0" err="1">
-                <a:solidFill>
-                  <a:srgbClr val="C678DD"/>
-                </a:solidFill>
-                <a:effectLst/>
-                <a:latin typeface="Consolas" panose="020B0609020204030204" pitchFamily="49" charset="0"/>
-              </a:rPr>
-              <a:t>.</a:t>
-            </a:r>
-            <a:r>
-              <a:rPr lang="en-CA" b="0" dirty="0" err="1">
-                <a:solidFill>
-                  <a:srgbClr val="56B6C2"/>
-                </a:solidFill>
-                <a:effectLst/>
-                <a:latin typeface="Consolas" panose="020B0609020204030204" pitchFamily="49" charset="0"/>
-              </a:rPr>
-              <a:t>load</a:t>
-            </a:r>
-            <a:r>
-              <a:rPr lang="en-CA" b="0" dirty="0">
-                <a:solidFill>
-                  <a:srgbClr val="ABB2BF"/>
-                </a:solidFill>
-                <a:effectLst/>
-                <a:latin typeface="Consolas" panose="020B0609020204030204" pitchFamily="49" charset="0"/>
-              </a:rPr>
-              <a:t>(</a:t>
-            </a:r>
-            <a:r>
-              <a:rPr lang="en-CA" b="0" dirty="0">
-                <a:solidFill>
-                  <a:srgbClr val="98C379"/>
-                </a:solidFill>
-                <a:effectLst/>
-                <a:latin typeface="Consolas" panose="020B0609020204030204" pitchFamily="49" charset="0"/>
-              </a:rPr>
-              <a:t>"</a:t>
-            </a:r>
-            <a:r>
-              <a:rPr lang="en-CA" b="0" dirty="0" err="1">
-                <a:solidFill>
-                  <a:srgbClr val="98C379"/>
-                </a:solidFill>
-                <a:effectLst/>
-                <a:latin typeface="Consolas" panose="020B0609020204030204" pitchFamily="49" charset="0"/>
-              </a:rPr>
-              <a:t>preproc-flux.bson</a:t>
-            </a:r>
-            <a:r>
-              <a:rPr lang="en-CA" b="0" dirty="0">
-                <a:solidFill>
-                  <a:srgbClr val="98C379"/>
-                </a:solidFill>
-                <a:effectLst/>
-                <a:latin typeface="Consolas" panose="020B0609020204030204" pitchFamily="49" charset="0"/>
-              </a:rPr>
-              <a:t>"</a:t>
-            </a:r>
-            <a:r>
-              <a:rPr lang="en-CA" b="0" dirty="0">
-                <a:solidFill>
-                  <a:srgbClr val="ABB2BF"/>
-                </a:solidFill>
-                <a:effectLst/>
-                <a:latin typeface="Consolas" panose="020B0609020204030204" pitchFamily="49" charset="0"/>
-              </a:rPr>
-              <a:t>), </a:t>
-            </a:r>
-            <a:r>
-              <a:rPr lang="en-CA" b="0" dirty="0" err="1">
-                <a:solidFill>
-                  <a:srgbClr val="ABB2BF"/>
-                </a:solidFill>
-                <a:effectLst/>
-                <a:latin typeface="Consolas" panose="020B0609020204030204" pitchFamily="49" charset="0"/>
-              </a:rPr>
-              <a:t>ScoringEngineDemo</a:t>
-            </a:r>
-            <a:r>
-              <a:rPr lang="en-CA" b="0" dirty="0">
-                <a:solidFill>
-                  <a:srgbClr val="ABB2BF"/>
-                </a:solidFill>
-                <a:effectLst/>
-                <a:latin typeface="Consolas" panose="020B0609020204030204" pitchFamily="49" charset="0"/>
-              </a:rPr>
-              <a:t>)[</a:t>
-            </a:r>
-            <a:r>
-              <a:rPr lang="en-CA" b="0" dirty="0">
-                <a:solidFill>
-                  <a:srgbClr val="56B6C2"/>
-                </a:solidFill>
-                <a:effectLst/>
-                <a:latin typeface="Consolas" panose="020B0609020204030204" pitchFamily="49" charset="0"/>
-              </a:rPr>
-              <a:t>:</a:t>
-            </a:r>
-            <a:r>
-              <a:rPr lang="en-CA" b="0" dirty="0" err="1">
-                <a:solidFill>
-                  <a:srgbClr val="56B6C2"/>
-                </a:solidFill>
-                <a:effectLst/>
-                <a:latin typeface="Consolas" panose="020B0609020204030204" pitchFamily="49" charset="0"/>
-              </a:rPr>
-              <a:t>preproc</a:t>
-            </a:r>
-            <a:r>
-              <a:rPr lang="en-CA" b="0" dirty="0">
-                <a:solidFill>
-                  <a:srgbClr val="ABB2BF"/>
-                </a:solidFill>
-                <a:effectLst/>
-                <a:latin typeface="Consolas" panose="020B0609020204030204" pitchFamily="49" charset="0"/>
-              </a:rPr>
-              <a:t>]</a:t>
-            </a:r>
-          </a:p>
-          <a:p>
-            <a:r>
-              <a:rPr lang="en-CA" b="0" dirty="0">
-                <a:solidFill>
-                  <a:srgbClr val="C678DD"/>
-                </a:solidFill>
-                <a:effectLst/>
-                <a:latin typeface="Consolas" panose="020B0609020204030204" pitchFamily="49" charset="0"/>
-              </a:rPr>
-              <a:t>const</a:t>
-            </a:r>
-            <a:r>
-              <a:rPr lang="en-CA" b="0" dirty="0">
-                <a:solidFill>
-                  <a:srgbClr val="ABB2BF"/>
-                </a:solidFill>
-                <a:effectLst/>
-                <a:latin typeface="Consolas" panose="020B0609020204030204" pitchFamily="49" charset="0"/>
-              </a:rPr>
-              <a:t> </a:t>
-            </a:r>
-            <a:r>
-              <a:rPr lang="en-CA" b="0" dirty="0" err="1">
-                <a:solidFill>
-                  <a:srgbClr val="ABB2BF"/>
-                </a:solidFill>
-                <a:effectLst/>
-                <a:latin typeface="Consolas" panose="020B0609020204030204" pitchFamily="49" charset="0"/>
-              </a:rPr>
-              <a:t>adapter_flux</a:t>
-            </a:r>
-            <a:r>
-              <a:rPr lang="en-CA" b="0" dirty="0">
-                <a:solidFill>
-                  <a:srgbClr val="ABB2BF"/>
-                </a:solidFill>
-                <a:effectLst/>
-                <a:latin typeface="Consolas" panose="020B0609020204030204" pitchFamily="49" charset="0"/>
-              </a:rPr>
-              <a:t> </a:t>
-            </a:r>
-            <a:r>
-              <a:rPr lang="en-CA" b="0" dirty="0">
-                <a:solidFill>
-                  <a:srgbClr val="C678DD"/>
-                </a:solidFill>
-                <a:effectLst/>
-                <a:latin typeface="Consolas" panose="020B0609020204030204" pitchFamily="49" charset="0"/>
-              </a:rPr>
-              <a:t>=</a:t>
-            </a:r>
-            <a:r>
-              <a:rPr lang="en-CA" b="0" dirty="0">
-                <a:solidFill>
-                  <a:srgbClr val="ABB2BF"/>
-                </a:solidFill>
-                <a:effectLst/>
-                <a:latin typeface="Consolas" panose="020B0609020204030204" pitchFamily="49" charset="0"/>
-              </a:rPr>
-              <a:t> </a:t>
-            </a:r>
-            <a:r>
-              <a:rPr lang="en-CA" b="0" dirty="0" err="1">
-                <a:solidFill>
-                  <a:srgbClr val="ABB2BF"/>
-                </a:solidFill>
-                <a:effectLst/>
-                <a:latin typeface="Consolas" panose="020B0609020204030204" pitchFamily="49" charset="0"/>
-              </a:rPr>
-              <a:t>BSON</a:t>
-            </a:r>
-            <a:r>
-              <a:rPr lang="en-CA" b="0" dirty="0" err="1">
-                <a:solidFill>
-                  <a:srgbClr val="C678DD"/>
-                </a:solidFill>
-                <a:effectLst/>
-                <a:latin typeface="Consolas" panose="020B0609020204030204" pitchFamily="49" charset="0"/>
-              </a:rPr>
-              <a:t>.</a:t>
-            </a:r>
-            <a:r>
-              <a:rPr lang="en-CA" b="0" dirty="0" err="1">
-                <a:solidFill>
-                  <a:srgbClr val="56B6C2"/>
-                </a:solidFill>
-                <a:effectLst/>
-                <a:latin typeface="Consolas" panose="020B0609020204030204" pitchFamily="49" charset="0"/>
-              </a:rPr>
-              <a:t>load</a:t>
-            </a:r>
-            <a:r>
-              <a:rPr lang="en-CA" b="0" dirty="0">
-                <a:solidFill>
-                  <a:srgbClr val="ABB2BF"/>
-                </a:solidFill>
-                <a:effectLst/>
-                <a:latin typeface="Consolas" panose="020B0609020204030204" pitchFamily="49" charset="0"/>
-              </a:rPr>
-              <a:t>(</a:t>
-            </a:r>
-            <a:r>
-              <a:rPr lang="en-CA" b="0" dirty="0">
-                <a:solidFill>
-                  <a:srgbClr val="98C379"/>
-                </a:solidFill>
-                <a:effectLst/>
-                <a:latin typeface="Consolas" panose="020B0609020204030204" pitchFamily="49" charset="0"/>
-              </a:rPr>
-              <a:t>"adapter-</a:t>
-            </a:r>
-            <a:r>
-              <a:rPr lang="en-CA" b="0" dirty="0" err="1">
-                <a:solidFill>
-                  <a:srgbClr val="98C379"/>
-                </a:solidFill>
-                <a:effectLst/>
-                <a:latin typeface="Consolas" panose="020B0609020204030204" pitchFamily="49" charset="0"/>
-              </a:rPr>
-              <a:t>flux.bson</a:t>
-            </a:r>
-            <a:r>
-              <a:rPr lang="en-CA" b="0" dirty="0">
-                <a:solidFill>
-                  <a:srgbClr val="98C379"/>
-                </a:solidFill>
-                <a:effectLst/>
-                <a:latin typeface="Consolas" panose="020B0609020204030204" pitchFamily="49" charset="0"/>
-              </a:rPr>
-              <a:t>"</a:t>
-            </a:r>
-            <a:r>
-              <a:rPr lang="en-CA" b="0" dirty="0">
-                <a:solidFill>
-                  <a:srgbClr val="ABB2BF"/>
-                </a:solidFill>
-                <a:effectLst/>
-                <a:latin typeface="Consolas" panose="020B0609020204030204" pitchFamily="49" charset="0"/>
-              </a:rPr>
-              <a:t>), </a:t>
-            </a:r>
-            <a:r>
-              <a:rPr lang="en-CA" b="0" dirty="0" err="1">
-                <a:solidFill>
-                  <a:srgbClr val="ABB2BF"/>
-                </a:solidFill>
-                <a:effectLst/>
-                <a:latin typeface="Consolas" panose="020B0609020204030204" pitchFamily="49" charset="0"/>
-              </a:rPr>
-              <a:t>ScoringEngineDemo</a:t>
-            </a:r>
-            <a:r>
-              <a:rPr lang="en-CA" b="0" dirty="0">
-                <a:solidFill>
-                  <a:srgbClr val="ABB2BF"/>
-                </a:solidFill>
-                <a:effectLst/>
-                <a:latin typeface="Consolas" panose="020B0609020204030204" pitchFamily="49" charset="0"/>
-              </a:rPr>
-              <a:t>)[</a:t>
-            </a:r>
-            <a:r>
-              <a:rPr lang="en-CA" b="0" dirty="0">
-                <a:solidFill>
-                  <a:srgbClr val="56B6C2"/>
-                </a:solidFill>
-                <a:effectLst/>
-                <a:latin typeface="Consolas" panose="020B0609020204030204" pitchFamily="49" charset="0"/>
-              </a:rPr>
-              <a:t>:adapter</a:t>
-            </a:r>
-            <a:r>
-              <a:rPr lang="en-CA" b="0" dirty="0">
-                <a:solidFill>
-                  <a:srgbClr val="ABB2BF"/>
-                </a:solidFill>
-                <a:effectLst/>
-                <a:latin typeface="Consolas" panose="020B0609020204030204" pitchFamily="49" charset="0"/>
-              </a:rPr>
-              <a:t>]</a:t>
-            </a:r>
-          </a:p>
-          <a:p>
-            <a:r>
-              <a:rPr lang="en-CA" b="0" dirty="0">
-                <a:solidFill>
-                  <a:srgbClr val="C678DD"/>
-                </a:solidFill>
-                <a:effectLst/>
-                <a:latin typeface="Consolas" panose="020B0609020204030204" pitchFamily="49" charset="0"/>
-              </a:rPr>
-              <a:t>const</a:t>
-            </a:r>
-            <a:r>
-              <a:rPr lang="en-CA" b="0" dirty="0">
-                <a:solidFill>
-                  <a:srgbClr val="ABB2BF"/>
-                </a:solidFill>
-                <a:effectLst/>
-                <a:latin typeface="Consolas" panose="020B0609020204030204" pitchFamily="49" charset="0"/>
-              </a:rPr>
-              <a:t> </a:t>
-            </a:r>
-            <a:r>
-              <a:rPr lang="en-CA" b="0" dirty="0" err="1">
-                <a:solidFill>
-                  <a:srgbClr val="ABB2BF"/>
-                </a:solidFill>
-                <a:effectLst/>
-                <a:latin typeface="Consolas" panose="020B0609020204030204" pitchFamily="49" charset="0"/>
-              </a:rPr>
-              <a:t>model_flux</a:t>
-            </a:r>
-            <a:r>
-              <a:rPr lang="en-CA" b="0" dirty="0">
-                <a:solidFill>
-                  <a:srgbClr val="ABB2BF"/>
-                </a:solidFill>
-                <a:effectLst/>
-                <a:latin typeface="Consolas" panose="020B0609020204030204" pitchFamily="49" charset="0"/>
-              </a:rPr>
-              <a:t> </a:t>
-            </a:r>
-            <a:r>
-              <a:rPr lang="en-CA" b="0" dirty="0">
-                <a:solidFill>
-                  <a:srgbClr val="C678DD"/>
-                </a:solidFill>
-                <a:effectLst/>
-                <a:latin typeface="Consolas" panose="020B0609020204030204" pitchFamily="49" charset="0"/>
-              </a:rPr>
-              <a:t>=</a:t>
-            </a:r>
-            <a:r>
-              <a:rPr lang="en-CA" b="0" dirty="0">
-                <a:solidFill>
-                  <a:srgbClr val="ABB2BF"/>
-                </a:solidFill>
-                <a:effectLst/>
-                <a:latin typeface="Consolas" panose="020B0609020204030204" pitchFamily="49" charset="0"/>
-              </a:rPr>
-              <a:t> </a:t>
-            </a:r>
-            <a:r>
-              <a:rPr lang="en-CA" b="0" dirty="0" err="1">
-                <a:solidFill>
-                  <a:srgbClr val="ABB2BF"/>
-                </a:solidFill>
-                <a:effectLst/>
-                <a:latin typeface="Consolas" panose="020B0609020204030204" pitchFamily="49" charset="0"/>
-              </a:rPr>
-              <a:t>BSON</a:t>
-            </a:r>
-            <a:r>
-              <a:rPr lang="en-CA" b="0" dirty="0" err="1">
-                <a:solidFill>
-                  <a:srgbClr val="C678DD"/>
-                </a:solidFill>
-                <a:effectLst/>
-                <a:latin typeface="Consolas" panose="020B0609020204030204" pitchFamily="49" charset="0"/>
-              </a:rPr>
-              <a:t>.</a:t>
-            </a:r>
-            <a:r>
-              <a:rPr lang="en-CA" b="0" dirty="0" err="1">
-                <a:solidFill>
-                  <a:srgbClr val="56B6C2"/>
-                </a:solidFill>
-                <a:effectLst/>
-                <a:latin typeface="Consolas" panose="020B0609020204030204" pitchFamily="49" charset="0"/>
-              </a:rPr>
-              <a:t>load</a:t>
-            </a:r>
-            <a:r>
-              <a:rPr lang="en-CA" b="0" dirty="0">
-                <a:solidFill>
-                  <a:srgbClr val="ABB2BF"/>
-                </a:solidFill>
-                <a:effectLst/>
-                <a:latin typeface="Consolas" panose="020B0609020204030204" pitchFamily="49" charset="0"/>
-              </a:rPr>
-              <a:t>(</a:t>
-            </a:r>
-            <a:r>
-              <a:rPr lang="en-CA" b="0" dirty="0">
-                <a:solidFill>
-                  <a:srgbClr val="98C379"/>
-                </a:solidFill>
-                <a:effectLst/>
-                <a:latin typeface="Consolas" panose="020B0609020204030204" pitchFamily="49" charset="0"/>
-              </a:rPr>
-              <a:t>"model-</a:t>
-            </a:r>
-            <a:r>
-              <a:rPr lang="en-CA" b="0" dirty="0" err="1">
-                <a:solidFill>
-                  <a:srgbClr val="98C379"/>
-                </a:solidFill>
-                <a:effectLst/>
-                <a:latin typeface="Consolas" panose="020B0609020204030204" pitchFamily="49" charset="0"/>
-              </a:rPr>
-              <a:t>flux.bson</a:t>
-            </a:r>
-            <a:r>
-              <a:rPr lang="en-CA" b="0" dirty="0">
-                <a:solidFill>
-                  <a:srgbClr val="98C379"/>
-                </a:solidFill>
-                <a:effectLst/>
-                <a:latin typeface="Consolas" panose="020B0609020204030204" pitchFamily="49" charset="0"/>
-              </a:rPr>
-              <a:t>"</a:t>
-            </a:r>
-            <a:r>
-              <a:rPr lang="en-CA" b="0" dirty="0">
-                <a:solidFill>
-                  <a:srgbClr val="ABB2BF"/>
-                </a:solidFill>
-                <a:effectLst/>
-                <a:latin typeface="Consolas" panose="020B0609020204030204" pitchFamily="49" charset="0"/>
-              </a:rPr>
-              <a:t>), </a:t>
-            </a:r>
-            <a:r>
-              <a:rPr lang="en-CA" b="0" dirty="0" err="1">
-                <a:solidFill>
-                  <a:srgbClr val="ABB2BF"/>
-                </a:solidFill>
-                <a:effectLst/>
-                <a:latin typeface="Consolas" panose="020B0609020204030204" pitchFamily="49" charset="0"/>
-              </a:rPr>
-              <a:t>ScoringEngineDemo</a:t>
-            </a:r>
-            <a:r>
-              <a:rPr lang="en-CA" b="0" dirty="0">
-                <a:solidFill>
-                  <a:srgbClr val="ABB2BF"/>
-                </a:solidFill>
-                <a:effectLst/>
-                <a:latin typeface="Consolas" panose="020B0609020204030204" pitchFamily="49" charset="0"/>
-              </a:rPr>
-              <a:t>)[</a:t>
-            </a:r>
-            <a:r>
-              <a:rPr lang="en-CA" b="0" dirty="0">
-                <a:solidFill>
-                  <a:srgbClr val="56B6C2"/>
-                </a:solidFill>
-                <a:effectLst/>
-                <a:latin typeface="Consolas" panose="020B0609020204030204" pitchFamily="49" charset="0"/>
-              </a:rPr>
-              <a:t>:model</a:t>
-            </a:r>
-            <a:r>
-              <a:rPr lang="en-CA" b="0" dirty="0">
-                <a:solidFill>
-                  <a:srgbClr val="ABB2BF"/>
-                </a:solidFill>
-                <a:effectLst/>
-                <a:latin typeface="Consolas" panose="020B0609020204030204" pitchFamily="49" charset="0"/>
-              </a:rPr>
-              <a:t>]</a:t>
-            </a:r>
-          </a:p>
-          <a:p>
-            <a:endParaRPr lang="en-CA" b="0" dirty="0">
-              <a:solidFill>
-                <a:srgbClr val="C678DD"/>
-              </a:solidFill>
-              <a:effectLst/>
-              <a:latin typeface="Consolas" panose="020B0609020204030204" pitchFamily="49" charset="0"/>
-            </a:endParaRPr>
-          </a:p>
-          <a:p>
-            <a:r>
-              <a:rPr lang="en-CA" b="0" dirty="0">
-                <a:solidFill>
-                  <a:srgbClr val="C678DD"/>
-                </a:solidFill>
-                <a:effectLst/>
-                <a:latin typeface="Consolas" panose="020B0609020204030204" pitchFamily="49" charset="0"/>
-              </a:rPr>
               <a:t>function</a:t>
             </a:r>
             <a:r>
@@ -8446,15 +8512,6 @@
               </a:rPr>
               <a:t>end</a:t>
             </a:r>
-          </a:p>
-          <a:p>
-            <a:endParaRPr lang="en-CA" b="0" dirty="0">
-              <a:solidFill>
-                <a:srgbClr val="C678DD"/>
-              </a:solidFill>
-              <a:effectLst/>
-              <a:latin typeface="Consolas" panose="020B0609020204030204" pitchFamily="49" charset="0"/>
-            </a:endParaRPr>
           </a:p>
         </p:txBody>
       </p:sp>
@@ -8611,7 +8668,11 @@
           <a:prstGeom prst="rect">
             <a:avLst/>
           </a:prstGeom>
-          <a:noFill/>
+          <a:solidFill>
+            <a:schemeClr val="bg1">
+              <a:lumMod val="95000"/>
+            </a:schemeClr>
+          </a:solidFill>
         </p:spPr>
         <p:txBody>
           <a:bodyPr wrap="square">
@@ -11027,7 +11088,7 @@
         </p:nvSpPr>
         <p:spPr>
           <a:xfrm>
-            <a:off x="1586593" y="3429000"/>
+            <a:off x="1586593" y="3142009"/>
             <a:ext cx="9018814" cy="923330"/>
           </a:xfrm>
           <a:prstGeom prst="rect">
@@ -11240,7 +11301,7 @@
         </p:nvSpPr>
         <p:spPr>
           <a:xfrm>
-            <a:off x="1586593" y="4530152"/>
+            <a:off x="1586593" y="4243161"/>
             <a:ext cx="9018814" cy="1477328"/>
           </a:xfrm>
           <a:prstGeom prst="rect">
@@ -11697,7 +11758,7 @@
         </p:nvSpPr>
         <p:spPr>
           <a:xfrm>
-            <a:off x="1586592" y="2927042"/>
+            <a:off x="1586592" y="3138587"/>
             <a:ext cx="9018814" cy="2585323"/>
           </a:xfrm>
           <a:prstGeom prst="rect">
@@ -12582,7 +12643,7 @@
         </p:nvSpPr>
         <p:spPr>
           <a:xfrm>
-            <a:off x="1586593" y="2864355"/>
+            <a:off x="1586592" y="3002917"/>
             <a:ext cx="9018814" cy="2862322"/>
           </a:xfrm>
           <a:prstGeom prst="rect">
